--- a/övrigt/Hemsideskiss.pptx
+++ b/övrigt/Hemsideskiss.pptx
@@ -7,7 +7,8 @@
   <p:sldIdLst>
     <p:sldId id="256" r:id="rId2"/>
     <p:sldId id="257" r:id="rId3"/>
-    <p:sldId id="258" r:id="rId4"/>
+    <p:sldId id="259" r:id="rId4"/>
+    <p:sldId id="258" r:id="rId5"/>
   </p:sldIdLst>
   <p:sldSz cx="12192000" cy="6858000"/>
   <p:notesSz cx="6858000" cy="9144000"/>
@@ -117,7 +118,7 @@
 <file path=ppt/revisionInfo.xml><?xml version="1.0" encoding="utf-8"?>
 <p1510:revInfo xmlns:a="http://schemas.openxmlformats.org/drawingml/2006/main" xmlns:r="http://schemas.openxmlformats.org/officeDocument/2006/relationships" xmlns:p1510="http://schemas.microsoft.com/office/powerpoint/2015/10/main">
   <p1510:revLst>
-    <p1510:client id="{5DDE4E93-0CF6-42E5-860F-B396F9480E1B}" v="27" dt="2025-04-16T15:34:21.437"/>
+    <p1510:client id="{5DDE4E93-0CF6-42E5-860F-B396F9480E1B}" v="73" dt="2025-04-17T08:38:52.827"/>
   </p1510:revLst>
 </p1510:revInfo>
 </file>
@@ -126,13 +127,13 @@
 <pc:chgInfo xmlns:a="http://schemas.openxmlformats.org/drawingml/2006/main" xmlns:r="http://schemas.openxmlformats.org/officeDocument/2006/relationships" xmlns:ac="http://schemas.microsoft.com/office/drawing/2013/main/command" xmlns:pc="http://schemas.microsoft.com/office/powerpoint/2013/main/command">
   <pc:docChgLst>
     <pc:chgData name="William Lind (RF-SISU Uppland)" userId="cad96a6e-be0d-4992-89ff-95d230bcc806" providerId="ADAL" clId="{5DDE4E93-0CF6-42E5-860F-B396F9480E1B}"/>
-    <pc:docChg chg="custSel addSld modSld">
-      <pc:chgData name="William Lind (RF-SISU Uppland)" userId="cad96a6e-be0d-4992-89ff-95d230bcc806" providerId="ADAL" clId="{5DDE4E93-0CF6-42E5-860F-B396F9480E1B}" dt="2025-04-16T15:34:21.437" v="983"/>
+    <pc:docChg chg="undo custSel addSld modSld">
+      <pc:chgData name="William Lind (RF-SISU Uppland)" userId="cad96a6e-be0d-4992-89ff-95d230bcc806" providerId="ADAL" clId="{5DDE4E93-0CF6-42E5-860F-B396F9480E1B}" dt="2025-04-17T08:40:48.772" v="2413" actId="208"/>
       <pc:docMkLst>
         <pc:docMk/>
       </pc:docMkLst>
       <pc:sldChg chg="addSp delSp modSp new mod">
-        <pc:chgData name="William Lind (RF-SISU Uppland)" userId="cad96a6e-be0d-4992-89ff-95d230bcc806" providerId="ADAL" clId="{5DDE4E93-0CF6-42E5-860F-B396F9480E1B}" dt="2025-04-16T15:34:02.221" v="981" actId="1035"/>
+        <pc:chgData name="William Lind (RF-SISU Uppland)" userId="cad96a6e-be0d-4992-89ff-95d230bcc806" providerId="ADAL" clId="{5DDE4E93-0CF6-42E5-860F-B396F9480E1B}" dt="2025-04-17T08:40:48.772" v="2413" actId="208"/>
         <pc:sldMkLst>
           <pc:docMk/>
           <pc:sldMk cId="2831595855" sldId="256"/>
@@ -194,7 +195,7 @@
           </ac:spMkLst>
         </pc:spChg>
         <pc:spChg chg="add mod">
-          <ac:chgData name="William Lind (RF-SISU Uppland)" userId="cad96a6e-be0d-4992-89ff-95d230bcc806" providerId="ADAL" clId="{5DDE4E93-0CF6-42E5-860F-B396F9480E1B}" dt="2025-04-16T15:33:13.416" v="960" actId="1076"/>
+          <ac:chgData name="William Lind (RF-SISU Uppland)" userId="cad96a6e-be0d-4992-89ff-95d230bcc806" providerId="ADAL" clId="{5DDE4E93-0CF6-42E5-860F-B396F9480E1B}" dt="2025-04-17T08:40:48.772" v="2413" actId="208"/>
           <ac:spMkLst>
             <pc:docMk/>
             <pc:sldMk cId="2831595855" sldId="256"/>
@@ -289,6 +290,14 @@
             <ac:grpSpMk id="20" creationId="{7143F6A4-9631-75F6-29B2-B6A26B2BA256}"/>
           </ac:grpSpMkLst>
         </pc:grpChg>
+        <pc:picChg chg="add mod">
+          <ac:chgData name="William Lind (RF-SISU Uppland)" userId="cad96a6e-be0d-4992-89ff-95d230bcc806" providerId="ADAL" clId="{5DDE4E93-0CF6-42E5-860F-B396F9480E1B}" dt="2025-04-17T08:37:30.488" v="2181"/>
+          <ac:picMkLst>
+            <pc:docMk/>
+            <pc:sldMk cId="2831595855" sldId="256"/>
+            <ac:picMk id="10" creationId="{BB50F614-72B4-9297-587E-A5282907AE25}"/>
+          </ac:picMkLst>
+        </pc:picChg>
         <pc:picChg chg="add del">
           <ac:chgData name="William Lind (RF-SISU Uppland)" userId="cad96a6e-be0d-4992-89ff-95d230bcc806" providerId="ADAL" clId="{5DDE4E93-0CF6-42E5-860F-B396F9480E1B}" dt="2025-04-16T15:18:13.179" v="33" actId="478"/>
           <ac:picMkLst>
@@ -297,8 +306,8 @@
             <ac:picMk id="1026" creationId="{EC3121F6-1412-4B7F-5DE2-11674B5BF5FA}"/>
           </ac:picMkLst>
         </pc:picChg>
-        <pc:picChg chg="add mod">
-          <ac:chgData name="William Lind (RF-SISU Uppland)" userId="cad96a6e-be0d-4992-89ff-95d230bcc806" providerId="ADAL" clId="{5DDE4E93-0CF6-42E5-860F-B396F9480E1B}" dt="2025-04-16T15:18:28.311" v="39" actId="1076"/>
+        <pc:picChg chg="add del mod">
+          <ac:chgData name="William Lind (RF-SISU Uppland)" userId="cad96a6e-be0d-4992-89ff-95d230bcc806" providerId="ADAL" clId="{5DDE4E93-0CF6-42E5-860F-B396F9480E1B}" dt="2025-04-17T08:37:30.394" v="2180" actId="478"/>
           <ac:picMkLst>
             <pc:docMk/>
             <pc:sldMk cId="2831595855" sldId="256"/>
@@ -306,7 +315,7 @@
           </ac:picMkLst>
         </pc:picChg>
         <pc:cxnChg chg="add mod">
-          <ac:chgData name="William Lind (RF-SISU Uppland)" userId="cad96a6e-be0d-4992-89ff-95d230bcc806" providerId="ADAL" clId="{5DDE4E93-0CF6-42E5-860F-B396F9480E1B}" dt="2025-04-16T15:29:37.659" v="590" actId="1076"/>
+          <ac:chgData name="William Lind (RF-SISU Uppland)" userId="cad96a6e-be0d-4992-89ff-95d230bcc806" providerId="ADAL" clId="{5DDE4E93-0CF6-42E5-860F-B396F9480E1B}" dt="2025-04-17T08:40:32.625" v="2412" actId="13822"/>
           <ac:cxnSpMkLst>
             <pc:docMk/>
             <pc:sldMk cId="2831595855" sldId="256"/>
@@ -314,8 +323,8 @@
           </ac:cxnSpMkLst>
         </pc:cxnChg>
       </pc:sldChg>
-      <pc:sldChg chg="addSp modSp add mod">
-        <pc:chgData name="William Lind (RF-SISU Uppland)" userId="cad96a6e-be0d-4992-89ff-95d230bcc806" providerId="ADAL" clId="{5DDE4E93-0CF6-42E5-860F-B396F9480E1B}" dt="2025-04-16T15:34:21.071" v="982"/>
+      <pc:sldChg chg="addSp delSp modSp add mod">
+        <pc:chgData name="William Lind (RF-SISU Uppland)" userId="cad96a6e-be0d-4992-89ff-95d230bcc806" providerId="ADAL" clId="{5DDE4E93-0CF6-42E5-860F-B396F9480E1B}" dt="2025-04-17T08:37:28.446" v="2179"/>
         <pc:sldMkLst>
           <pc:docMk/>
           <pc:sldMk cId="3489591150" sldId="257"/>
@@ -336,9 +345,201 @@
             <ac:spMk id="8" creationId="{C7571957-2937-8C0A-C91D-B108D829CFCB}"/>
           </ac:spMkLst>
         </pc:spChg>
+        <pc:spChg chg="add mod">
+          <ac:chgData name="William Lind (RF-SISU Uppland)" userId="cad96a6e-be0d-4992-89ff-95d230bcc806" providerId="ADAL" clId="{5DDE4E93-0CF6-42E5-860F-B396F9480E1B}" dt="2025-04-17T08:22:04.523" v="1230" actId="164"/>
+          <ac:spMkLst>
+            <pc:docMk/>
+            <pc:sldMk cId="3489591150" sldId="257"/>
+            <ac:spMk id="9" creationId="{4558BD13-53F2-8128-E311-34C3A2B8FE29}"/>
+          </ac:spMkLst>
+        </pc:spChg>
+        <pc:spChg chg="add mod">
+          <ac:chgData name="William Lind (RF-SISU Uppland)" userId="cad96a6e-be0d-4992-89ff-95d230bcc806" providerId="ADAL" clId="{5DDE4E93-0CF6-42E5-860F-B396F9480E1B}" dt="2025-04-17T08:16:20.733" v="1034" actId="164"/>
+          <ac:spMkLst>
+            <pc:docMk/>
+            <pc:sldMk cId="3489591150" sldId="257"/>
+            <ac:spMk id="10" creationId="{D04CE26F-04BD-0234-F78D-E083AACDF414}"/>
+          </ac:spMkLst>
+        </pc:spChg>
+        <pc:spChg chg="add mod">
+          <ac:chgData name="William Lind (RF-SISU Uppland)" userId="cad96a6e-be0d-4992-89ff-95d230bcc806" providerId="ADAL" clId="{5DDE4E93-0CF6-42E5-860F-B396F9480E1B}" dt="2025-04-17T08:16:20.733" v="1034" actId="164"/>
+          <ac:spMkLst>
+            <pc:docMk/>
+            <pc:sldMk cId="3489591150" sldId="257"/>
+            <ac:spMk id="13" creationId="{242C2213-960A-709C-79D5-6A3552A48303}"/>
+          </ac:spMkLst>
+        </pc:spChg>
+        <pc:spChg chg="add mod">
+          <ac:chgData name="William Lind (RF-SISU Uppland)" userId="cad96a6e-be0d-4992-89ff-95d230bcc806" providerId="ADAL" clId="{5DDE4E93-0CF6-42E5-860F-B396F9480E1B}" dt="2025-04-17T08:16:20.733" v="1034" actId="164"/>
+          <ac:spMkLst>
+            <pc:docMk/>
+            <pc:sldMk cId="3489591150" sldId="257"/>
+            <ac:spMk id="14" creationId="{D4F9EDC0-F9D7-557E-12B7-E3C7B1E12F29}"/>
+          </ac:spMkLst>
+        </pc:spChg>
+        <pc:spChg chg="add mod">
+          <ac:chgData name="William Lind (RF-SISU Uppland)" userId="cad96a6e-be0d-4992-89ff-95d230bcc806" providerId="ADAL" clId="{5DDE4E93-0CF6-42E5-860F-B396F9480E1B}" dt="2025-04-17T08:22:04.523" v="1230" actId="164"/>
+          <ac:spMkLst>
+            <pc:docMk/>
+            <pc:sldMk cId="3489591150" sldId="257"/>
+            <ac:spMk id="19" creationId="{97397BA8-E0B2-8858-8ADA-46576F540F76}"/>
+          </ac:spMkLst>
+        </pc:spChg>
+        <pc:spChg chg="add mod">
+          <ac:chgData name="William Lind (RF-SISU Uppland)" userId="cad96a6e-be0d-4992-89ff-95d230bcc806" providerId="ADAL" clId="{5DDE4E93-0CF6-42E5-860F-B396F9480E1B}" dt="2025-04-17T08:22:04.523" v="1230" actId="164"/>
+          <ac:spMkLst>
+            <pc:docMk/>
+            <pc:sldMk cId="3489591150" sldId="257"/>
+            <ac:spMk id="20" creationId="{D665DBE3-FF14-04A7-F38D-AE81D2488E9B}"/>
+          </ac:spMkLst>
+        </pc:spChg>
+        <pc:spChg chg="add mod">
+          <ac:chgData name="William Lind (RF-SISU Uppland)" userId="cad96a6e-be0d-4992-89ff-95d230bcc806" providerId="ADAL" clId="{5DDE4E93-0CF6-42E5-860F-B396F9480E1B}" dt="2025-04-17T08:19:38.057" v="1176" actId="164"/>
+          <ac:spMkLst>
+            <pc:docMk/>
+            <pc:sldMk cId="3489591150" sldId="257"/>
+            <ac:spMk id="21" creationId="{ABEA80E8-D3B0-9EC0-6331-FD3EF7CFFE40}"/>
+          </ac:spMkLst>
+        </pc:spChg>
+        <pc:spChg chg="add mod">
+          <ac:chgData name="William Lind (RF-SISU Uppland)" userId="cad96a6e-be0d-4992-89ff-95d230bcc806" providerId="ADAL" clId="{5DDE4E93-0CF6-42E5-860F-B396F9480E1B}" dt="2025-04-17T08:22:04.523" v="1230" actId="164"/>
+          <ac:spMkLst>
+            <pc:docMk/>
+            <pc:sldMk cId="3489591150" sldId="257"/>
+            <ac:spMk id="23" creationId="{75FFBD78-5DA5-4959-C2BE-4559AC742E6C}"/>
+          </ac:spMkLst>
+        </pc:spChg>
+        <pc:spChg chg="add mod">
+          <ac:chgData name="William Lind (RF-SISU Uppland)" userId="cad96a6e-be0d-4992-89ff-95d230bcc806" providerId="ADAL" clId="{5DDE4E93-0CF6-42E5-860F-B396F9480E1B}" dt="2025-04-17T08:21:56.626" v="1229" actId="164"/>
+          <ac:spMkLst>
+            <pc:docMk/>
+            <pc:sldMk cId="3489591150" sldId="257"/>
+            <ac:spMk id="34" creationId="{CB9C982E-E145-7EA1-60F8-427B0F503DF7}"/>
+          </ac:spMkLst>
+        </pc:spChg>
+        <pc:spChg chg="add mod">
+          <ac:chgData name="William Lind (RF-SISU Uppland)" userId="cad96a6e-be0d-4992-89ff-95d230bcc806" providerId="ADAL" clId="{5DDE4E93-0CF6-42E5-860F-B396F9480E1B}" dt="2025-04-17T08:21:56.626" v="1229" actId="164"/>
+          <ac:spMkLst>
+            <pc:docMk/>
+            <pc:sldMk cId="3489591150" sldId="257"/>
+            <ac:spMk id="35" creationId="{E3AA5971-4986-C0EC-8523-A23E25C1355E}"/>
+          </ac:spMkLst>
+        </pc:spChg>
+        <pc:spChg chg="add mod">
+          <ac:chgData name="William Lind (RF-SISU Uppland)" userId="cad96a6e-be0d-4992-89ff-95d230bcc806" providerId="ADAL" clId="{5DDE4E93-0CF6-42E5-860F-B396F9480E1B}" dt="2025-04-17T08:21:56.626" v="1229" actId="164"/>
+          <ac:spMkLst>
+            <pc:docMk/>
+            <pc:sldMk cId="3489591150" sldId="257"/>
+            <ac:spMk id="36" creationId="{54CBBAB2-3B11-FED9-8C94-90108C5D60CC}"/>
+          </ac:spMkLst>
+        </pc:spChg>
+        <pc:spChg chg="add mod">
+          <ac:chgData name="William Lind (RF-SISU Uppland)" userId="cad96a6e-be0d-4992-89ff-95d230bcc806" providerId="ADAL" clId="{5DDE4E93-0CF6-42E5-860F-B396F9480E1B}" dt="2025-04-17T08:21:56.626" v="1229" actId="164"/>
+          <ac:spMkLst>
+            <pc:docMk/>
+            <pc:sldMk cId="3489591150" sldId="257"/>
+            <ac:spMk id="37" creationId="{F6032F4C-D714-EC0D-047E-EE72EF2D1B9F}"/>
+          </ac:spMkLst>
+        </pc:spChg>
+        <pc:grpChg chg="add mod">
+          <ac:chgData name="William Lind (RF-SISU Uppland)" userId="cad96a6e-be0d-4992-89ff-95d230bcc806" providerId="ADAL" clId="{5DDE4E93-0CF6-42E5-860F-B396F9480E1B}" dt="2025-04-17T08:19:38.057" v="1176" actId="164"/>
+          <ac:grpSpMkLst>
+            <pc:docMk/>
+            <pc:sldMk cId="3489591150" sldId="257"/>
+            <ac:grpSpMk id="18" creationId="{822AB8F1-9ED8-215A-2686-BCEBF19A59A2}"/>
+          </ac:grpSpMkLst>
+        </pc:grpChg>
+        <pc:grpChg chg="add mod">
+          <ac:chgData name="William Lind (RF-SISU Uppland)" userId="cad96a6e-be0d-4992-89ff-95d230bcc806" providerId="ADAL" clId="{5DDE4E93-0CF6-42E5-860F-B396F9480E1B}" dt="2025-04-17T08:21:56.626" v="1229" actId="164"/>
+          <ac:grpSpMkLst>
+            <pc:docMk/>
+            <pc:sldMk cId="3489591150" sldId="257"/>
+            <ac:grpSpMk id="24" creationId="{55B8CCA5-7AF0-7C44-8259-AFAB3161043E}"/>
+          </ac:grpSpMkLst>
+        </pc:grpChg>
+        <pc:grpChg chg="add mod">
+          <ac:chgData name="William Lind (RF-SISU Uppland)" userId="cad96a6e-be0d-4992-89ff-95d230bcc806" providerId="ADAL" clId="{5DDE4E93-0CF6-42E5-860F-B396F9480E1B}" dt="2025-04-17T08:21:56.626" v="1229" actId="164"/>
+          <ac:grpSpMkLst>
+            <pc:docMk/>
+            <pc:sldMk cId="3489591150" sldId="257"/>
+            <ac:grpSpMk id="38" creationId="{96F16386-3890-9125-750F-22A2BB24FE16}"/>
+          </ac:grpSpMkLst>
+        </pc:grpChg>
+        <pc:grpChg chg="add mod">
+          <ac:chgData name="William Lind (RF-SISU Uppland)" userId="cad96a6e-be0d-4992-89ff-95d230bcc806" providerId="ADAL" clId="{5DDE4E93-0CF6-42E5-860F-B396F9480E1B}" dt="2025-04-17T08:22:04.523" v="1230" actId="164"/>
+          <ac:grpSpMkLst>
+            <pc:docMk/>
+            <pc:sldMk cId="3489591150" sldId="257"/>
+            <ac:grpSpMk id="39" creationId="{0225BB2B-42DB-4727-7819-ECDD11BF5893}"/>
+          </ac:grpSpMkLst>
+        </pc:grpChg>
+        <pc:picChg chg="add mod">
+          <ac:chgData name="William Lind (RF-SISU Uppland)" userId="cad96a6e-be0d-4992-89ff-95d230bcc806" providerId="ADAL" clId="{5DDE4E93-0CF6-42E5-860F-B396F9480E1B}" dt="2025-04-17T08:37:28.446" v="2179"/>
+          <ac:picMkLst>
+            <pc:docMk/>
+            <pc:sldMk cId="3489591150" sldId="257"/>
+            <ac:picMk id="40" creationId="{FF329EE1-96EE-8584-4DA1-29A0094517DE}"/>
+          </ac:picMkLst>
+        </pc:picChg>
+        <pc:picChg chg="del">
+          <ac:chgData name="William Lind (RF-SISU Uppland)" userId="cad96a6e-be0d-4992-89ff-95d230bcc806" providerId="ADAL" clId="{5DDE4E93-0CF6-42E5-860F-B396F9480E1B}" dt="2025-04-17T08:37:28.360" v="2178" actId="478"/>
+          <ac:picMkLst>
+            <pc:docMk/>
+            <pc:sldMk cId="3489591150" sldId="257"/>
+            <ac:picMk id="1028" creationId="{10AEB93E-65CF-EC43-734B-1D5EEDFCBABD}"/>
+          </ac:picMkLst>
+        </pc:picChg>
+        <pc:cxnChg chg="add mod">
+          <ac:chgData name="William Lind (RF-SISU Uppland)" userId="cad96a6e-be0d-4992-89ff-95d230bcc806" providerId="ADAL" clId="{5DDE4E93-0CF6-42E5-860F-B396F9480E1B}" dt="2025-04-17T08:16:20.733" v="1034" actId="164"/>
+          <ac:cxnSpMkLst>
+            <pc:docMk/>
+            <pc:sldMk cId="3489591150" sldId="257"/>
+            <ac:cxnSpMk id="12" creationId="{5A200992-003D-CBE3-F61C-8DC48EA3300B}"/>
+          </ac:cxnSpMkLst>
+        </pc:cxnChg>
+        <pc:cxnChg chg="add mod">
+          <ac:chgData name="William Lind (RF-SISU Uppland)" userId="cad96a6e-be0d-4992-89ff-95d230bcc806" providerId="ADAL" clId="{5DDE4E93-0CF6-42E5-860F-B396F9480E1B}" dt="2025-04-17T08:16:20.733" v="1034" actId="164"/>
+          <ac:cxnSpMkLst>
+            <pc:docMk/>
+            <pc:sldMk cId="3489591150" sldId="257"/>
+            <ac:cxnSpMk id="15" creationId="{A5B43547-3A30-D5D3-C952-601E342F6BDB}"/>
+          </ac:cxnSpMkLst>
+        </pc:cxnChg>
+        <pc:cxnChg chg="add mod">
+          <ac:chgData name="William Lind (RF-SISU Uppland)" userId="cad96a6e-be0d-4992-89ff-95d230bcc806" providerId="ADAL" clId="{5DDE4E93-0CF6-42E5-860F-B396F9480E1B}" dt="2025-04-17T08:19:38.057" v="1176" actId="164"/>
+          <ac:cxnSpMkLst>
+            <pc:docMk/>
+            <pc:sldMk cId="3489591150" sldId="257"/>
+            <ac:cxnSpMk id="22" creationId="{15BC01E5-6080-BAD4-524F-A1A48178E591}"/>
+          </ac:cxnSpMkLst>
+        </pc:cxnChg>
+        <pc:cxnChg chg="add mod">
+          <ac:chgData name="William Lind (RF-SISU Uppland)" userId="cad96a6e-be0d-4992-89ff-95d230bcc806" providerId="ADAL" clId="{5DDE4E93-0CF6-42E5-860F-B396F9480E1B}" dt="2025-04-17T08:22:04.523" v="1230" actId="164"/>
+          <ac:cxnSpMkLst>
+            <pc:docMk/>
+            <pc:sldMk cId="3489591150" sldId="257"/>
+            <ac:cxnSpMk id="25" creationId="{E38643F8-56B4-E016-B88E-77881418EA22}"/>
+          </ac:cxnSpMkLst>
+        </pc:cxnChg>
+        <pc:cxnChg chg="add mod">
+          <ac:chgData name="William Lind (RF-SISU Uppland)" userId="cad96a6e-be0d-4992-89ff-95d230bcc806" providerId="ADAL" clId="{5DDE4E93-0CF6-42E5-860F-B396F9480E1B}" dt="2025-04-17T08:22:04.523" v="1230" actId="164"/>
+          <ac:cxnSpMkLst>
+            <pc:docMk/>
+            <pc:sldMk cId="3489591150" sldId="257"/>
+            <ac:cxnSpMk id="29" creationId="{4BE5C80B-D22C-0C56-F03E-48EF2E95F349}"/>
+          </ac:cxnSpMkLst>
+        </pc:cxnChg>
+        <pc:cxnChg chg="add mod">
+          <ac:chgData name="William Lind (RF-SISU Uppland)" userId="cad96a6e-be0d-4992-89ff-95d230bcc806" providerId="ADAL" clId="{5DDE4E93-0CF6-42E5-860F-B396F9480E1B}" dt="2025-04-17T08:22:04.523" v="1230" actId="164"/>
+          <ac:cxnSpMkLst>
+            <pc:docMk/>
+            <pc:sldMk cId="3489591150" sldId="257"/>
+            <ac:cxnSpMk id="31" creationId="{D743B54C-885D-7821-5238-FA8232700AA4}"/>
+          </ac:cxnSpMkLst>
+        </pc:cxnChg>
       </pc:sldChg>
-      <pc:sldChg chg="addSp modSp add mod">
-        <pc:chgData name="William Lind (RF-SISU Uppland)" userId="cad96a6e-be0d-4992-89ff-95d230bcc806" providerId="ADAL" clId="{5DDE4E93-0CF6-42E5-860F-B396F9480E1B}" dt="2025-04-16T15:34:21.437" v="983"/>
+      <pc:sldChg chg="addSp delSp modSp add mod">
+        <pc:chgData name="William Lind (RF-SISU Uppland)" userId="cad96a6e-be0d-4992-89ff-95d230bcc806" providerId="ADAL" clId="{5DDE4E93-0CF6-42E5-860F-B396F9480E1B}" dt="2025-04-17T08:40:03.244" v="2411" actId="20577"/>
         <pc:sldMkLst>
           <pc:docMk/>
           <pc:sldMk cId="889187058" sldId="258"/>
@@ -359,6 +560,341 @@
             <ac:spMk id="8" creationId="{D3C77F1B-7C80-501D-2328-D813C00F20A5}"/>
           </ac:spMkLst>
         </pc:spChg>
+        <pc:spChg chg="add del mod">
+          <ac:chgData name="William Lind (RF-SISU Uppland)" userId="cad96a6e-be0d-4992-89ff-95d230bcc806" providerId="ADAL" clId="{5DDE4E93-0CF6-42E5-860F-B396F9480E1B}" dt="2025-04-17T08:38:10.763" v="2186" actId="478"/>
+          <ac:spMkLst>
+            <pc:docMk/>
+            <pc:sldMk cId="889187058" sldId="258"/>
+            <ac:spMk id="10" creationId="{BD6BC7C5-5EEC-0AAB-CEF1-1D9E3FB97454}"/>
+          </ac:spMkLst>
+        </pc:spChg>
+        <pc:spChg chg="mod">
+          <ac:chgData name="William Lind (RF-SISU Uppland)" userId="cad96a6e-be0d-4992-89ff-95d230bcc806" providerId="ADAL" clId="{5DDE4E93-0CF6-42E5-860F-B396F9480E1B}" dt="2025-04-17T08:38:58.388" v="2307" actId="20577"/>
+          <ac:spMkLst>
+            <pc:docMk/>
+            <pc:sldMk cId="889187058" sldId="258"/>
+            <ac:spMk id="12" creationId="{0DC9E0E5-3D31-1C60-ECE0-1D9244EB8C76}"/>
+          </ac:spMkLst>
+        </pc:spChg>
+        <pc:spChg chg="mod">
+          <ac:chgData name="William Lind (RF-SISU Uppland)" userId="cad96a6e-be0d-4992-89ff-95d230bcc806" providerId="ADAL" clId="{5DDE4E93-0CF6-42E5-860F-B396F9480E1B}" dt="2025-04-17T08:39:59.089" v="2410" actId="20577"/>
+          <ac:spMkLst>
+            <pc:docMk/>
+            <pc:sldMk cId="889187058" sldId="258"/>
+            <ac:spMk id="13" creationId="{991E2AA1-BF50-84EE-CB85-5D31E995A812}"/>
+          </ac:spMkLst>
+        </pc:spChg>
+        <pc:spChg chg="mod">
+          <ac:chgData name="William Lind (RF-SISU Uppland)" userId="cad96a6e-be0d-4992-89ff-95d230bcc806" providerId="ADAL" clId="{5DDE4E93-0CF6-42E5-860F-B396F9480E1B}" dt="2025-04-17T08:38:52.827" v="2288"/>
+          <ac:spMkLst>
+            <pc:docMk/>
+            <pc:sldMk cId="889187058" sldId="258"/>
+            <ac:spMk id="15" creationId="{DBE6A021-1762-0C15-02BA-B1828F058CD0}"/>
+          </ac:spMkLst>
+        </pc:spChg>
+        <pc:spChg chg="mod">
+          <ac:chgData name="William Lind (RF-SISU Uppland)" userId="cad96a6e-be0d-4992-89ff-95d230bcc806" providerId="ADAL" clId="{5DDE4E93-0CF6-42E5-860F-B396F9480E1B}" dt="2025-04-17T08:40:03.244" v="2411" actId="20577"/>
+          <ac:spMkLst>
+            <pc:docMk/>
+            <pc:sldMk cId="889187058" sldId="258"/>
+            <ac:spMk id="16" creationId="{17E9DEC5-7862-6101-11EE-105DC44569CD}"/>
+          </ac:spMkLst>
+        </pc:spChg>
+        <pc:grpChg chg="add mod">
+          <ac:chgData name="William Lind (RF-SISU Uppland)" userId="cad96a6e-be0d-4992-89ff-95d230bcc806" providerId="ADAL" clId="{5DDE4E93-0CF6-42E5-860F-B396F9480E1B}" dt="2025-04-17T08:39:02.118" v="2308" actId="1076"/>
+          <ac:grpSpMkLst>
+            <pc:docMk/>
+            <pc:sldMk cId="889187058" sldId="258"/>
+            <ac:grpSpMk id="11" creationId="{B8E8ED9C-CED4-9747-B332-640895D4F085}"/>
+          </ac:grpSpMkLst>
+        </pc:grpChg>
+        <pc:grpChg chg="add mod">
+          <ac:chgData name="William Lind (RF-SISU Uppland)" userId="cad96a6e-be0d-4992-89ff-95d230bcc806" providerId="ADAL" clId="{5DDE4E93-0CF6-42E5-860F-B396F9480E1B}" dt="2025-04-17T08:38:52.827" v="2288"/>
+          <ac:grpSpMkLst>
+            <pc:docMk/>
+            <pc:sldMk cId="889187058" sldId="258"/>
+            <ac:grpSpMk id="14" creationId="{1188DC1B-AF46-8FDD-0EE6-46F4E0576455}"/>
+          </ac:grpSpMkLst>
+        </pc:grpChg>
+        <pc:picChg chg="add mod">
+          <ac:chgData name="William Lind (RF-SISU Uppland)" userId="cad96a6e-be0d-4992-89ff-95d230bcc806" providerId="ADAL" clId="{5DDE4E93-0CF6-42E5-860F-B396F9480E1B}" dt="2025-04-17T08:37:32.811" v="2183"/>
+          <ac:picMkLst>
+            <pc:docMk/>
+            <pc:sldMk cId="889187058" sldId="258"/>
+            <ac:picMk id="9" creationId="{E0A744D3-FC81-D9C0-E5DE-66E796E5DE8E}"/>
+          </ac:picMkLst>
+        </pc:picChg>
+        <pc:picChg chg="del">
+          <ac:chgData name="William Lind (RF-SISU Uppland)" userId="cad96a6e-be0d-4992-89ff-95d230bcc806" providerId="ADAL" clId="{5DDE4E93-0CF6-42E5-860F-B396F9480E1B}" dt="2025-04-17T08:37:32.738" v="2182" actId="478"/>
+          <ac:picMkLst>
+            <pc:docMk/>
+            <pc:sldMk cId="889187058" sldId="258"/>
+            <ac:picMk id="1028" creationId="{02EDC31D-F0C2-0F5B-FBCE-9C79F15869D0}"/>
+          </ac:picMkLst>
+        </pc:picChg>
+      </pc:sldChg>
+      <pc:sldChg chg="addSp delSp modSp add mod">
+        <pc:chgData name="William Lind (RF-SISU Uppland)" userId="cad96a6e-be0d-4992-89ff-95d230bcc806" providerId="ADAL" clId="{5DDE4E93-0CF6-42E5-860F-B396F9480E1B}" dt="2025-04-17T08:37:25.092" v="2177" actId="1076"/>
+        <pc:sldMkLst>
+          <pc:docMk/>
+          <pc:sldMk cId="3808009464" sldId="259"/>
+        </pc:sldMkLst>
+        <pc:spChg chg="mod">
+          <ac:chgData name="William Lind (RF-SISU Uppland)" userId="cad96a6e-be0d-4992-89ff-95d230bcc806" providerId="ADAL" clId="{5DDE4E93-0CF6-42E5-860F-B396F9480E1B}" dt="2025-04-17T08:21:26.091" v="1223" actId="20577"/>
+          <ac:spMkLst>
+            <pc:docMk/>
+            <pc:sldMk cId="3808009464" sldId="259"/>
+            <ac:spMk id="7" creationId="{846ECCE2-F44E-B810-626D-46A225E19FCF}"/>
+          </ac:spMkLst>
+        </pc:spChg>
+        <pc:spChg chg="del">
+          <ac:chgData name="William Lind (RF-SISU Uppland)" userId="cad96a6e-be0d-4992-89ff-95d230bcc806" providerId="ADAL" clId="{5DDE4E93-0CF6-42E5-860F-B396F9480E1B}" dt="2025-04-17T08:22:16.512" v="1231" actId="478"/>
+          <ac:spMkLst>
+            <pc:docMk/>
+            <pc:sldMk cId="3808009464" sldId="259"/>
+            <ac:spMk id="9" creationId="{EEDFAB94-380F-CBFF-A80E-0D607F260E0D}"/>
+          </ac:spMkLst>
+        </pc:spChg>
+        <pc:spChg chg="mod">
+          <ac:chgData name="William Lind (RF-SISU Uppland)" userId="cad96a6e-be0d-4992-89ff-95d230bcc806" providerId="ADAL" clId="{5DDE4E93-0CF6-42E5-860F-B396F9480E1B}" dt="2025-04-17T08:27:57.888" v="1691" actId="1035"/>
+          <ac:spMkLst>
+            <pc:docMk/>
+            <pc:sldMk cId="3808009464" sldId="259"/>
+            <ac:spMk id="19" creationId="{AF77F132-8C02-E81B-3C4E-FFAF0BA80232}"/>
+          </ac:spMkLst>
+        </pc:spChg>
+        <pc:spChg chg="mod">
+          <ac:chgData name="William Lind (RF-SISU Uppland)" userId="cad96a6e-be0d-4992-89ff-95d230bcc806" providerId="ADAL" clId="{5DDE4E93-0CF6-42E5-860F-B396F9480E1B}" dt="2025-04-17T08:28:05.518" v="1716" actId="1035"/>
+          <ac:spMkLst>
+            <pc:docMk/>
+            <pc:sldMk cId="3808009464" sldId="259"/>
+            <ac:spMk id="20" creationId="{7FDFEE83-238E-5822-8C0E-21E10B9BBAE7}"/>
+          </ac:spMkLst>
+        </pc:spChg>
+        <pc:spChg chg="mod">
+          <ac:chgData name="William Lind (RF-SISU Uppland)" userId="cad96a6e-be0d-4992-89ff-95d230bcc806" providerId="ADAL" clId="{5DDE4E93-0CF6-42E5-860F-B396F9480E1B}" dt="2025-04-17T08:29:42.558" v="2076" actId="20577"/>
+          <ac:spMkLst>
+            <pc:docMk/>
+            <pc:sldMk cId="3808009464" sldId="259"/>
+            <ac:spMk id="23" creationId="{C18D9D60-F926-4CAB-EAB6-561160811799}"/>
+          </ac:spMkLst>
+        </pc:spChg>
+        <pc:spChg chg="add mod">
+          <ac:chgData name="William Lind (RF-SISU Uppland)" userId="cad96a6e-be0d-4992-89ff-95d230bcc806" providerId="ADAL" clId="{5DDE4E93-0CF6-42E5-860F-B396F9480E1B}" dt="2025-04-17T08:32:52.083" v="2080" actId="1076"/>
+          <ac:spMkLst>
+            <pc:docMk/>
+            <pc:sldMk cId="3808009464" sldId="259"/>
+            <ac:spMk id="30" creationId="{1EF03568-632F-D0F3-8A40-81DD947B885C}"/>
+          </ac:spMkLst>
+        </pc:spChg>
+        <pc:spChg chg="del">
+          <ac:chgData name="William Lind (RF-SISU Uppland)" userId="cad96a6e-be0d-4992-89ff-95d230bcc806" providerId="ADAL" clId="{5DDE4E93-0CF6-42E5-860F-B396F9480E1B}" dt="2025-04-17T08:21:41.353" v="1225" actId="478"/>
+          <ac:spMkLst>
+            <pc:docMk/>
+            <pc:sldMk cId="3808009464" sldId="259"/>
+            <ac:spMk id="34" creationId="{271A1E16-AEAC-760A-9F15-9584778DDEA2}"/>
+          </ac:spMkLst>
+        </pc:spChg>
+        <pc:spChg chg="del">
+          <ac:chgData name="William Lind (RF-SISU Uppland)" userId="cad96a6e-be0d-4992-89ff-95d230bcc806" providerId="ADAL" clId="{5DDE4E93-0CF6-42E5-860F-B396F9480E1B}" dt="2025-04-17T08:21:41.938" v="1226" actId="478"/>
+          <ac:spMkLst>
+            <pc:docMk/>
+            <pc:sldMk cId="3808009464" sldId="259"/>
+            <ac:spMk id="35" creationId="{7FE2EC4A-89BC-F3D0-BAAD-893F1923CC2D}"/>
+          </ac:spMkLst>
+        </pc:spChg>
+        <pc:spChg chg="del">
+          <ac:chgData name="William Lind (RF-SISU Uppland)" userId="cad96a6e-be0d-4992-89ff-95d230bcc806" providerId="ADAL" clId="{5DDE4E93-0CF6-42E5-860F-B396F9480E1B}" dt="2025-04-17T08:21:44.599" v="1228" actId="478"/>
+          <ac:spMkLst>
+            <pc:docMk/>
+            <pc:sldMk cId="3808009464" sldId="259"/>
+            <ac:spMk id="36" creationId="{95844AF3-D3F3-4795-9904-3D0B0E3139ED}"/>
+          </ac:spMkLst>
+        </pc:spChg>
+        <pc:spChg chg="del">
+          <ac:chgData name="William Lind (RF-SISU Uppland)" userId="cad96a6e-be0d-4992-89ff-95d230bcc806" providerId="ADAL" clId="{5DDE4E93-0CF6-42E5-860F-B396F9480E1B}" dt="2025-04-17T08:21:44.456" v="1227" actId="478"/>
+          <ac:spMkLst>
+            <pc:docMk/>
+            <pc:sldMk cId="3808009464" sldId="259"/>
+            <ac:spMk id="37" creationId="{11388F58-8249-1C6A-B64D-03B128E0DEF5}"/>
+          </ac:spMkLst>
+        </pc:spChg>
+        <pc:spChg chg="add mod">
+          <ac:chgData name="William Lind (RF-SISU Uppland)" userId="cad96a6e-be0d-4992-89ff-95d230bcc806" providerId="ADAL" clId="{5DDE4E93-0CF6-42E5-860F-B396F9480E1B}" dt="2025-04-17T08:33:03.454" v="2095" actId="164"/>
+          <ac:spMkLst>
+            <pc:docMk/>
+            <pc:sldMk cId="3808009464" sldId="259"/>
+            <ac:spMk id="39" creationId="{5C219A66-5872-2A5B-1403-5C252793179D}"/>
+          </ac:spMkLst>
+        </pc:spChg>
+        <pc:spChg chg="add mod">
+          <ac:chgData name="William Lind (RF-SISU Uppland)" userId="cad96a6e-be0d-4992-89ff-95d230bcc806" providerId="ADAL" clId="{5DDE4E93-0CF6-42E5-860F-B396F9480E1B}" dt="2025-04-17T08:34:57.709" v="2123" actId="12788"/>
+          <ac:spMkLst>
+            <pc:docMk/>
+            <pc:sldMk cId="3808009464" sldId="259"/>
+            <ac:spMk id="42" creationId="{C3417002-F6D7-CC3D-E712-6CE6ECC492D3}"/>
+          </ac:spMkLst>
+        </pc:spChg>
+        <pc:spChg chg="add mod">
+          <ac:chgData name="William Lind (RF-SISU Uppland)" userId="cad96a6e-be0d-4992-89ff-95d230bcc806" providerId="ADAL" clId="{5DDE4E93-0CF6-42E5-860F-B396F9480E1B}" dt="2025-04-17T08:36:25.982" v="2167" actId="14100"/>
+          <ac:spMkLst>
+            <pc:docMk/>
+            <pc:sldMk cId="3808009464" sldId="259"/>
+            <ac:spMk id="43" creationId="{663F2AE1-6C3E-35D6-C825-D25BD9B10E8C}"/>
+          </ac:spMkLst>
+        </pc:spChg>
+        <pc:spChg chg="add mod">
+          <ac:chgData name="William Lind (RF-SISU Uppland)" userId="cad96a6e-be0d-4992-89ff-95d230bcc806" providerId="ADAL" clId="{5DDE4E93-0CF6-42E5-860F-B396F9480E1B}" dt="2025-04-17T08:34:34.213" v="2112" actId="1076"/>
+          <ac:spMkLst>
+            <pc:docMk/>
+            <pc:sldMk cId="3808009464" sldId="259"/>
+            <ac:spMk id="44" creationId="{E88C4CFA-B5EB-2700-73BF-E3D1B1C30BB5}"/>
+          </ac:spMkLst>
+        </pc:spChg>
+        <pc:spChg chg="add mod">
+          <ac:chgData name="William Lind (RF-SISU Uppland)" userId="cad96a6e-be0d-4992-89ff-95d230bcc806" providerId="ADAL" clId="{5DDE4E93-0CF6-42E5-860F-B396F9480E1B}" dt="2025-04-17T08:34:57.709" v="2123" actId="12788"/>
+          <ac:spMkLst>
+            <pc:docMk/>
+            <pc:sldMk cId="3808009464" sldId="259"/>
+            <ac:spMk id="45" creationId="{81CA9BB5-4F4F-9B83-EC1C-DB1817A03769}"/>
+          </ac:spMkLst>
+        </pc:spChg>
+        <pc:spChg chg="add mod">
+          <ac:chgData name="William Lind (RF-SISU Uppland)" userId="cad96a6e-be0d-4992-89ff-95d230bcc806" providerId="ADAL" clId="{5DDE4E93-0CF6-42E5-860F-B396F9480E1B}" dt="2025-04-17T08:35:31.566" v="2132" actId="1076"/>
+          <ac:spMkLst>
+            <pc:docMk/>
+            <pc:sldMk cId="3808009464" sldId="259"/>
+            <ac:spMk id="48" creationId="{F2E373F9-1171-8E53-EC1D-7C3DEDC17878}"/>
+          </ac:spMkLst>
+        </pc:spChg>
+        <pc:spChg chg="add mod">
+          <ac:chgData name="William Lind (RF-SISU Uppland)" userId="cad96a6e-be0d-4992-89ff-95d230bcc806" providerId="ADAL" clId="{5DDE4E93-0CF6-42E5-860F-B396F9480E1B}" dt="2025-04-17T08:36:41.654" v="2174" actId="20577"/>
+          <ac:spMkLst>
+            <pc:docMk/>
+            <pc:sldMk cId="3808009464" sldId="259"/>
+            <ac:spMk id="49" creationId="{5E3C3BB0-32E3-093C-5B94-30D4D8F440E0}"/>
+          </ac:spMkLst>
+        </pc:spChg>
+        <pc:grpChg chg="del">
+          <ac:chgData name="William Lind (RF-SISU Uppland)" userId="cad96a6e-be0d-4992-89ff-95d230bcc806" providerId="ADAL" clId="{5DDE4E93-0CF6-42E5-860F-B396F9480E1B}" dt="2025-04-17T08:21:40.873" v="1224" actId="478"/>
+          <ac:grpSpMkLst>
+            <pc:docMk/>
+            <pc:sldMk cId="3808009464" sldId="259"/>
+            <ac:grpSpMk id="24" creationId="{D358EE12-E055-F637-A031-C3686A47DA85}"/>
+          </ac:grpSpMkLst>
+        </pc:grpChg>
+        <pc:grpChg chg="add mod">
+          <ac:chgData name="William Lind (RF-SISU Uppland)" userId="cad96a6e-be0d-4992-89ff-95d230bcc806" providerId="ADAL" clId="{5DDE4E93-0CF6-42E5-860F-B396F9480E1B}" dt="2025-04-17T08:32:52.083" v="2080" actId="1076"/>
+          <ac:grpSpMkLst>
+            <pc:docMk/>
+            <pc:sldMk cId="3808009464" sldId="259"/>
+            <ac:grpSpMk id="40" creationId="{966B8487-058C-70F2-BD85-6E8C4E6588B4}"/>
+          </ac:grpSpMkLst>
+        </pc:grpChg>
+        <pc:grpChg chg="add mod">
+          <ac:chgData name="William Lind (RF-SISU Uppland)" userId="cad96a6e-be0d-4992-89ff-95d230bcc806" providerId="ADAL" clId="{5DDE4E93-0CF6-42E5-860F-B396F9480E1B}" dt="2025-04-17T08:33:03.454" v="2095" actId="164"/>
+          <ac:grpSpMkLst>
+            <pc:docMk/>
+            <pc:sldMk cId="3808009464" sldId="259"/>
+            <ac:grpSpMk id="41" creationId="{2615F86F-9C75-0532-232E-9958502C68F5}"/>
+          </ac:grpSpMkLst>
+        </pc:grpChg>
+        <pc:picChg chg="add mod">
+          <ac:chgData name="William Lind (RF-SISU Uppland)" userId="cad96a6e-be0d-4992-89ff-95d230bcc806" providerId="ADAL" clId="{5DDE4E93-0CF6-42E5-860F-B396F9480E1B}" dt="2025-04-17T08:32:52.083" v="2080" actId="1076"/>
+          <ac:picMkLst>
+            <pc:docMk/>
+            <pc:sldMk cId="3808009464" sldId="259"/>
+            <ac:picMk id="11" creationId="{34AC5FAC-2938-CE14-E2AC-9F532B37939F}"/>
+          </ac:picMkLst>
+        </pc:picChg>
+        <pc:picChg chg="add mod">
+          <ac:chgData name="William Lind (RF-SISU Uppland)" userId="cad96a6e-be0d-4992-89ff-95d230bcc806" providerId="ADAL" clId="{5DDE4E93-0CF6-42E5-860F-B396F9480E1B}" dt="2025-04-17T08:33:03.454" v="2095" actId="164"/>
+          <ac:picMkLst>
+            <pc:docMk/>
+            <pc:sldMk cId="3808009464" sldId="259"/>
+            <ac:picMk id="33" creationId="{3FD6CC50-E7AE-34EB-F689-990A5E3B3592}"/>
+          </ac:picMkLst>
+        </pc:picChg>
+        <pc:picChg chg="mod">
+          <ac:chgData name="William Lind (RF-SISU Uppland)" userId="cad96a6e-be0d-4992-89ff-95d230bcc806" providerId="ADAL" clId="{5DDE4E93-0CF6-42E5-860F-B396F9480E1B}" dt="2025-04-17T08:37:25.092" v="2177" actId="1076"/>
+          <ac:picMkLst>
+            <pc:docMk/>
+            <pc:sldMk cId="3808009464" sldId="259"/>
+            <ac:picMk id="1028" creationId="{9CE16BE5-53AA-2A79-08DD-2AD357FA5981}"/>
+          </ac:picMkLst>
+        </pc:picChg>
+        <pc:cxnChg chg="mod">
+          <ac:chgData name="William Lind (RF-SISU Uppland)" userId="cad96a6e-be0d-4992-89ff-95d230bcc806" providerId="ADAL" clId="{5DDE4E93-0CF6-42E5-860F-B396F9480E1B}" dt="2025-04-17T08:21:40.873" v="1224" actId="478"/>
+          <ac:cxnSpMkLst>
+            <pc:docMk/>
+            <pc:sldMk cId="3808009464" sldId="259"/>
+            <ac:cxnSpMk id="12" creationId="{EC3C48C7-07C9-124A-0529-260498B0866A}"/>
+          </ac:cxnSpMkLst>
+        </pc:cxnChg>
+        <pc:cxnChg chg="mod">
+          <ac:chgData name="William Lind (RF-SISU Uppland)" userId="cad96a6e-be0d-4992-89ff-95d230bcc806" providerId="ADAL" clId="{5DDE4E93-0CF6-42E5-860F-B396F9480E1B}" dt="2025-04-17T08:21:40.873" v="1224" actId="478"/>
+          <ac:cxnSpMkLst>
+            <pc:docMk/>
+            <pc:sldMk cId="3808009464" sldId="259"/>
+            <ac:cxnSpMk id="15" creationId="{5017D303-0829-C9AD-DC47-4A337F86BE86}"/>
+          </ac:cxnSpMkLst>
+        </pc:cxnChg>
+        <pc:cxnChg chg="mod">
+          <ac:chgData name="William Lind (RF-SISU Uppland)" userId="cad96a6e-be0d-4992-89ff-95d230bcc806" providerId="ADAL" clId="{5DDE4E93-0CF6-42E5-860F-B396F9480E1B}" dt="2025-04-17T08:21:40.873" v="1224" actId="478"/>
+          <ac:cxnSpMkLst>
+            <pc:docMk/>
+            <pc:sldMk cId="3808009464" sldId="259"/>
+            <ac:cxnSpMk id="22" creationId="{70FFFB1A-1351-17FF-0EE7-A1DA12338C5C}"/>
+          </ac:cxnSpMkLst>
+        </pc:cxnChg>
+        <pc:cxnChg chg="del mod">
+          <ac:chgData name="William Lind (RF-SISU Uppland)" userId="cad96a6e-be0d-4992-89ff-95d230bcc806" providerId="ADAL" clId="{5DDE4E93-0CF6-42E5-860F-B396F9480E1B}" dt="2025-04-17T08:22:16.512" v="1231" actId="478"/>
+          <ac:cxnSpMkLst>
+            <pc:docMk/>
+            <pc:sldMk cId="3808009464" sldId="259"/>
+            <ac:cxnSpMk id="25" creationId="{7AF71C29-A6CA-17D2-C492-E426DAB3F22B}"/>
+          </ac:cxnSpMkLst>
+        </pc:cxnChg>
+        <pc:cxnChg chg="add mod">
+          <ac:chgData name="William Lind (RF-SISU Uppland)" userId="cad96a6e-be0d-4992-89ff-95d230bcc806" providerId="ADAL" clId="{5DDE4E93-0CF6-42E5-860F-B396F9480E1B}" dt="2025-04-17T08:32:52.083" v="2080" actId="1076"/>
+          <ac:cxnSpMkLst>
+            <pc:docMk/>
+            <pc:sldMk cId="3808009464" sldId="259"/>
+            <ac:cxnSpMk id="28" creationId="{C4EC1127-B59B-BD3C-9CE6-3DE99E0A2F4C}"/>
+          </ac:cxnSpMkLst>
+        </pc:cxnChg>
+        <pc:cxnChg chg="del mod">
+          <ac:chgData name="William Lind (RF-SISU Uppland)" userId="cad96a6e-be0d-4992-89ff-95d230bcc806" providerId="ADAL" clId="{5DDE4E93-0CF6-42E5-860F-B396F9480E1B}" dt="2025-04-17T08:26:57.686" v="1424" actId="478"/>
+          <ac:cxnSpMkLst>
+            <pc:docMk/>
+            <pc:sldMk cId="3808009464" sldId="259"/>
+            <ac:cxnSpMk id="29" creationId="{115853B4-DCB8-B94E-EB08-7CE780102B48}"/>
+          </ac:cxnSpMkLst>
+        </pc:cxnChg>
+        <pc:cxnChg chg="del mod">
+          <ac:chgData name="William Lind (RF-SISU Uppland)" userId="cad96a6e-be0d-4992-89ff-95d230bcc806" providerId="ADAL" clId="{5DDE4E93-0CF6-42E5-860F-B396F9480E1B}" dt="2025-04-17T08:26:58.791" v="1425" actId="478"/>
+          <ac:cxnSpMkLst>
+            <pc:docMk/>
+            <pc:sldMk cId="3808009464" sldId="259"/>
+            <ac:cxnSpMk id="31" creationId="{E068BF22-6F01-E6D1-B5F3-EC4C5C6B1EE8}"/>
+          </ac:cxnSpMkLst>
+        </pc:cxnChg>
+        <pc:cxnChg chg="add mod">
+          <ac:chgData name="William Lind (RF-SISU Uppland)" userId="cad96a6e-be0d-4992-89ff-95d230bcc806" providerId="ADAL" clId="{5DDE4E93-0CF6-42E5-860F-B396F9480E1B}" dt="2025-04-17T08:33:03.454" v="2095" actId="164"/>
+          <ac:cxnSpMkLst>
+            <pc:docMk/>
+            <pc:sldMk cId="3808009464" sldId="259"/>
+            <ac:cxnSpMk id="38" creationId="{A21DA7FB-93DC-647D-91E8-C92F7D299F61}"/>
+          </ac:cxnSpMkLst>
+        </pc:cxnChg>
+        <pc:cxnChg chg="add mod">
+          <ac:chgData name="William Lind (RF-SISU Uppland)" userId="cad96a6e-be0d-4992-89ff-95d230bcc806" providerId="ADAL" clId="{5DDE4E93-0CF6-42E5-860F-B396F9480E1B}" dt="2025-04-17T08:35:11.685" v="2125" actId="13822"/>
+          <ac:cxnSpMkLst>
+            <pc:docMk/>
+            <pc:sldMk cId="3808009464" sldId="259"/>
+            <ac:cxnSpMk id="47" creationId="{36173B1B-7493-156C-55FE-FA971CBAC854}"/>
+          </ac:cxnSpMkLst>
+        </pc:cxnChg>
       </pc:sldChg>
     </pc:docChg>
   </pc:docChgLst>
@@ -512,7 +1048,7 @@
           <a:p>
             <a:fld id="{FD15454D-095C-4D29-8624-8D902DFCC38A}" type="datetimeFigureOut">
               <a:rPr lang="sv-SE" smtClean="0"/>
-              <a:t>2025-04-16</a:t>
+              <a:t>2025-04-17</a:t>
             </a:fld>
             <a:endParaRPr lang="sv-SE"/>
           </a:p>
@@ -710,7 +1246,7 @@
           <a:p>
             <a:fld id="{FD15454D-095C-4D29-8624-8D902DFCC38A}" type="datetimeFigureOut">
               <a:rPr lang="sv-SE" smtClean="0"/>
-              <a:t>2025-04-16</a:t>
+              <a:t>2025-04-17</a:t>
             </a:fld>
             <a:endParaRPr lang="sv-SE"/>
           </a:p>
@@ -918,7 +1454,7 @@
           <a:p>
             <a:fld id="{FD15454D-095C-4D29-8624-8D902DFCC38A}" type="datetimeFigureOut">
               <a:rPr lang="sv-SE" smtClean="0"/>
-              <a:t>2025-04-16</a:t>
+              <a:t>2025-04-17</a:t>
             </a:fld>
             <a:endParaRPr lang="sv-SE"/>
           </a:p>
@@ -1116,7 +1652,7 @@
           <a:p>
             <a:fld id="{FD15454D-095C-4D29-8624-8D902DFCC38A}" type="datetimeFigureOut">
               <a:rPr lang="sv-SE" smtClean="0"/>
-              <a:t>2025-04-16</a:t>
+              <a:t>2025-04-17</a:t>
             </a:fld>
             <a:endParaRPr lang="sv-SE"/>
           </a:p>
@@ -1391,7 +1927,7 @@
           <a:p>
             <a:fld id="{FD15454D-095C-4D29-8624-8D902DFCC38A}" type="datetimeFigureOut">
               <a:rPr lang="sv-SE" smtClean="0"/>
-              <a:t>2025-04-16</a:t>
+              <a:t>2025-04-17</a:t>
             </a:fld>
             <a:endParaRPr lang="sv-SE"/>
           </a:p>
@@ -1656,7 +2192,7 @@
           <a:p>
             <a:fld id="{FD15454D-095C-4D29-8624-8D902DFCC38A}" type="datetimeFigureOut">
               <a:rPr lang="sv-SE" smtClean="0"/>
-              <a:t>2025-04-16</a:t>
+              <a:t>2025-04-17</a:t>
             </a:fld>
             <a:endParaRPr lang="sv-SE"/>
           </a:p>
@@ -2068,7 +2604,7 @@
           <a:p>
             <a:fld id="{FD15454D-095C-4D29-8624-8D902DFCC38A}" type="datetimeFigureOut">
               <a:rPr lang="sv-SE" smtClean="0"/>
-              <a:t>2025-04-16</a:t>
+              <a:t>2025-04-17</a:t>
             </a:fld>
             <a:endParaRPr lang="sv-SE"/>
           </a:p>
@@ -2209,7 +2745,7 @@
           <a:p>
             <a:fld id="{FD15454D-095C-4D29-8624-8D902DFCC38A}" type="datetimeFigureOut">
               <a:rPr lang="sv-SE" smtClean="0"/>
-              <a:t>2025-04-16</a:t>
+              <a:t>2025-04-17</a:t>
             </a:fld>
             <a:endParaRPr lang="sv-SE"/>
           </a:p>
@@ -2322,7 +2858,7 @@
           <a:p>
             <a:fld id="{FD15454D-095C-4D29-8624-8D902DFCC38A}" type="datetimeFigureOut">
               <a:rPr lang="sv-SE" smtClean="0"/>
-              <a:t>2025-04-16</a:t>
+              <a:t>2025-04-17</a:t>
             </a:fld>
             <a:endParaRPr lang="sv-SE"/>
           </a:p>
@@ -2633,7 +3169,7 @@
           <a:p>
             <a:fld id="{FD15454D-095C-4D29-8624-8D902DFCC38A}" type="datetimeFigureOut">
               <a:rPr lang="sv-SE" smtClean="0"/>
-              <a:t>2025-04-16</a:t>
+              <a:t>2025-04-17</a:t>
             </a:fld>
             <a:endParaRPr lang="sv-SE"/>
           </a:p>
@@ -2921,7 +3457,7 @@
           <a:p>
             <a:fld id="{FD15454D-095C-4D29-8624-8D902DFCC38A}" type="datetimeFigureOut">
               <a:rPr lang="sv-SE" smtClean="0"/>
-              <a:t>2025-04-16</a:t>
+              <a:t>2025-04-17</a:t>
             </a:fld>
             <a:endParaRPr lang="sv-SE"/>
           </a:p>
@@ -3162,7 +3698,7 @@
           <a:p>
             <a:fld id="{FD15454D-095C-4D29-8624-8D902DFCC38A}" type="datetimeFigureOut">
               <a:rPr lang="sv-SE" smtClean="0"/>
-              <a:t>2025-04-16</a:t>
+              <a:t>2025-04-17</a:t>
             </a:fld>
             <a:endParaRPr lang="sv-SE"/>
           </a:p>
@@ -3614,53 +4150,6 @@
           </a:p>
         </p:txBody>
       </p:sp>
-      <p:pic>
-        <p:nvPicPr>
-          <p:cNvPr id="1028" name="Picture 4" descr="Distribution Chart Icon Clipart Normal Distribution - Normal Icon PNG ...">
-            <a:extLst>
-              <a:ext uri="{FF2B5EF4-FFF2-40B4-BE49-F238E27FC236}">
-                <a16:creationId xmlns:a16="http://schemas.microsoft.com/office/drawing/2014/main" id="{4D9EEA1C-E8B7-8DBE-8CB7-88AEB53650F1}"/>
-              </a:ext>
-            </a:extLst>
-          </p:cNvPr>
-          <p:cNvPicPr>
-            <a:picLocks noChangeAspect="1" noChangeArrowheads="1"/>
-          </p:cNvPicPr>
-          <p:nvPr/>
-        </p:nvPicPr>
-        <p:blipFill>
-          <a:blip r:embed="rId2">
-            <a:extLst>
-              <a:ext uri="{28A0092B-C50C-407E-A947-70E740481C1C}">
-                <a14:useLocalDpi xmlns:a14="http://schemas.microsoft.com/office/drawing/2010/main" val="0"/>
-              </a:ext>
-            </a:extLst>
-          </a:blip>
-          <a:srcRect/>
-          <a:stretch>
-            <a:fillRect/>
-          </a:stretch>
-        </p:blipFill>
-        <p:spPr bwMode="auto">
-          <a:xfrm>
-            <a:off x="827789" y="429081"/>
-            <a:ext cx="758173" cy="755646"/>
-          </a:xfrm>
-          <a:prstGeom prst="rect">
-            <a:avLst/>
-          </a:prstGeom>
-          <a:noFill/>
-          <a:extLst>
-            <a:ext uri="{909E8E84-426E-40DD-AFC4-6F175D3DCCD1}">
-              <a14:hiddenFill xmlns:a14="http://schemas.microsoft.com/office/drawing/2010/main">
-                <a:solidFill>
-                  <a:srgbClr val="FFFFFF"/>
-                </a:solidFill>
-              </a14:hiddenFill>
-            </a:ext>
-          </a:extLst>
-        </p:spPr>
-      </p:pic>
       <p:grpSp>
         <p:nvGrpSpPr>
           <p:cNvPr id="6" name="Grupp 5">
@@ -3842,6 +4331,11 @@
           <a:prstGeom prst="rect">
             <a:avLst/>
           </a:prstGeom>
+          <a:ln>
+            <a:solidFill>
+              <a:schemeClr val="tx1"/>
+            </a:solidFill>
+          </a:ln>
         </p:spPr>
         <p:style>
           <a:lnRef idx="2">
@@ -3984,13 +4478,13 @@
         </p:spPr>
         <p:style>
           <a:lnRef idx="2">
-            <a:schemeClr val="accent1"/>
+            <a:schemeClr val="dk1"/>
           </a:lnRef>
           <a:fillRef idx="0">
-            <a:schemeClr val="accent1"/>
+            <a:schemeClr val="dk1"/>
           </a:fillRef>
           <a:effectRef idx="1">
-            <a:schemeClr val="accent1"/>
+            <a:schemeClr val="dk1"/>
           </a:effectRef>
           <a:fontRef idx="minor">
             <a:schemeClr val="tx1"/>
@@ -4254,6 +4748,53 @@
           </p:txBody>
         </p:sp>
       </p:grpSp>
+      <p:pic>
+        <p:nvPicPr>
+          <p:cNvPr id="10" name="Picture 4" descr="Distribution Chart Icon Clipart Normal Distribution - Normal Icon PNG ...">
+            <a:extLst>
+              <a:ext uri="{FF2B5EF4-FFF2-40B4-BE49-F238E27FC236}">
+                <a16:creationId xmlns:a16="http://schemas.microsoft.com/office/drawing/2014/main" id="{BB50F614-72B4-9297-587E-A5282907AE25}"/>
+              </a:ext>
+            </a:extLst>
+          </p:cNvPr>
+          <p:cNvPicPr>
+            <a:picLocks noChangeAspect="1" noChangeArrowheads="1"/>
+          </p:cNvPicPr>
+          <p:nvPr/>
+        </p:nvPicPr>
+        <p:blipFill>
+          <a:blip r:embed="rId2">
+            <a:extLst>
+              <a:ext uri="{28A0092B-C50C-407E-A947-70E740481C1C}">
+                <a14:useLocalDpi xmlns:a14="http://schemas.microsoft.com/office/drawing/2010/main" val="0"/>
+              </a:ext>
+            </a:extLst>
+          </a:blip>
+          <a:srcRect/>
+          <a:stretch>
+            <a:fillRect/>
+          </a:stretch>
+        </p:blipFill>
+        <p:spPr bwMode="auto">
+          <a:xfrm>
+            <a:off x="521208" y="514516"/>
+            <a:ext cx="1225296" cy="584775"/>
+          </a:xfrm>
+          <a:prstGeom prst="rect">
+            <a:avLst/>
+          </a:prstGeom>
+          <a:noFill/>
+          <a:extLst>
+            <a:ext uri="{909E8E84-426E-40DD-AFC4-6F175D3DCCD1}">
+              <a14:hiddenFill xmlns:a14="http://schemas.microsoft.com/office/drawing/2010/main">
+                <a:solidFill>
+                  <a:srgbClr val="FFFFFF"/>
+                </a:solidFill>
+              </a14:hiddenFill>
+            </a:ext>
+          </a:extLst>
+        </p:spPr>
+      </p:pic>
     </p:spTree>
     <p:extLst>
       <p:ext uri="{BB962C8B-B14F-4D97-AF65-F5344CB8AC3E}">
@@ -4325,53 +4866,6 @@
           </a:p>
         </p:txBody>
       </p:sp>
-      <p:pic>
-        <p:nvPicPr>
-          <p:cNvPr id="1028" name="Picture 4" descr="Distribution Chart Icon Clipart Normal Distribution - Normal Icon PNG ...">
-            <a:extLst>
-              <a:ext uri="{FF2B5EF4-FFF2-40B4-BE49-F238E27FC236}">
-                <a16:creationId xmlns:a16="http://schemas.microsoft.com/office/drawing/2014/main" id="{10AEB93E-65CF-EC43-734B-1D5EEDFCBABD}"/>
-              </a:ext>
-            </a:extLst>
-          </p:cNvPr>
-          <p:cNvPicPr>
-            <a:picLocks noChangeAspect="1" noChangeArrowheads="1"/>
-          </p:cNvPicPr>
-          <p:nvPr/>
-        </p:nvPicPr>
-        <p:blipFill>
-          <a:blip r:embed="rId2">
-            <a:extLst>
-              <a:ext uri="{28A0092B-C50C-407E-A947-70E740481C1C}">
-                <a14:useLocalDpi xmlns:a14="http://schemas.microsoft.com/office/drawing/2010/main" val="0"/>
-              </a:ext>
-            </a:extLst>
-          </a:blip>
-          <a:srcRect/>
-          <a:stretch>
-            <a:fillRect/>
-          </a:stretch>
-        </p:blipFill>
-        <p:spPr bwMode="auto">
-          <a:xfrm>
-            <a:off x="827789" y="429081"/>
-            <a:ext cx="758173" cy="755646"/>
-          </a:xfrm>
-          <a:prstGeom prst="rect">
-            <a:avLst/>
-          </a:prstGeom>
-          <a:noFill/>
-          <a:extLst>
-            <a:ext uri="{909E8E84-426E-40DD-AFC4-6F175D3DCCD1}">
-              <a14:hiddenFill xmlns:a14="http://schemas.microsoft.com/office/drawing/2010/main">
-                <a:solidFill>
-                  <a:srgbClr val="FFFFFF"/>
-                </a:solidFill>
-              </a14:hiddenFill>
-            </a:ext>
-          </a:extLst>
-        </p:spPr>
-      </p:pic>
       <p:grpSp>
         <p:nvGrpSpPr>
           <p:cNvPr id="6" name="Grupp 5">
@@ -4572,6 +5066,969 @@
           </a:p>
         </p:txBody>
       </p:sp>
+      <p:grpSp>
+        <p:nvGrpSpPr>
+          <p:cNvPr id="39" name="Grupp 38">
+            <a:extLst>
+              <a:ext uri="{FF2B5EF4-FFF2-40B4-BE49-F238E27FC236}">
+                <a16:creationId xmlns:a16="http://schemas.microsoft.com/office/drawing/2014/main" id="{0225BB2B-42DB-4727-7819-ECDD11BF5893}"/>
+              </a:ext>
+            </a:extLst>
+          </p:cNvPr>
+          <p:cNvGrpSpPr/>
+          <p:nvPr/>
+        </p:nvGrpSpPr>
+        <p:grpSpPr>
+          <a:xfrm>
+            <a:off x="2326053" y="1693651"/>
+            <a:ext cx="4141438" cy="4620281"/>
+            <a:chOff x="2326053" y="1693651"/>
+            <a:chExt cx="4141438" cy="4620281"/>
+          </a:xfrm>
+        </p:grpSpPr>
+        <p:sp>
+          <p:nvSpPr>
+            <p:cNvPr id="9" name="Rektangel 8">
+              <a:extLst>
+                <a:ext uri="{FF2B5EF4-FFF2-40B4-BE49-F238E27FC236}">
+                  <a16:creationId xmlns:a16="http://schemas.microsoft.com/office/drawing/2014/main" id="{4558BD13-53F2-8128-E311-34C3A2B8FE29}"/>
+                </a:ext>
+              </a:extLst>
+            </p:cNvPr>
+            <p:cNvSpPr/>
+            <p:nvPr/>
+          </p:nvSpPr>
+          <p:spPr>
+            <a:xfrm>
+              <a:off x="2326053" y="1693651"/>
+              <a:ext cx="4136866" cy="694944"/>
+            </a:xfrm>
+            <a:prstGeom prst="rect">
+              <a:avLst/>
+            </a:prstGeom>
+            <a:solidFill>
+              <a:schemeClr val="bg1"/>
+            </a:solidFill>
+          </p:spPr>
+          <p:style>
+            <a:lnRef idx="2">
+              <a:schemeClr val="accent1">
+                <a:shade val="15000"/>
+              </a:schemeClr>
+            </a:lnRef>
+            <a:fillRef idx="1">
+              <a:schemeClr val="accent1"/>
+            </a:fillRef>
+            <a:effectRef idx="0">
+              <a:schemeClr val="accent1"/>
+            </a:effectRef>
+            <a:fontRef idx="minor">
+              <a:schemeClr val="lt1"/>
+            </a:fontRef>
+          </p:style>
+          <p:txBody>
+            <a:bodyPr rtlCol="0" anchor="ctr"/>
+            <a:lstStyle/>
+            <a:p>
+              <a:pPr algn="ctr"/>
+              <a:r>
+                <a:rPr lang="sv-SE" dirty="0">
+                  <a:solidFill>
+                    <a:schemeClr val="tx1"/>
+                  </a:solidFill>
+                </a:rPr>
+                <a:t>Grundläggande data</a:t>
+              </a:r>
+            </a:p>
+          </p:txBody>
+        </p:sp>
+        <p:sp>
+          <p:nvSpPr>
+            <p:cNvPr id="19" name="Rektangel 18">
+              <a:extLst>
+                <a:ext uri="{FF2B5EF4-FFF2-40B4-BE49-F238E27FC236}">
+                  <a16:creationId xmlns:a16="http://schemas.microsoft.com/office/drawing/2014/main" id="{97397BA8-E0B2-8858-8ADA-46576F540F76}"/>
+                </a:ext>
+              </a:extLst>
+            </p:cNvPr>
+            <p:cNvSpPr/>
+            <p:nvPr/>
+          </p:nvSpPr>
+          <p:spPr>
+            <a:xfrm>
+              <a:off x="2330625" y="3049524"/>
+              <a:ext cx="4136866" cy="694944"/>
+            </a:xfrm>
+            <a:prstGeom prst="rect">
+              <a:avLst/>
+            </a:prstGeom>
+            <a:solidFill>
+              <a:schemeClr val="bg1"/>
+            </a:solidFill>
+          </p:spPr>
+          <p:style>
+            <a:lnRef idx="2">
+              <a:schemeClr val="accent1">
+                <a:shade val="15000"/>
+              </a:schemeClr>
+            </a:lnRef>
+            <a:fillRef idx="1">
+              <a:schemeClr val="accent1"/>
+            </a:fillRef>
+            <a:effectRef idx="0">
+              <a:schemeClr val="accent1"/>
+            </a:effectRef>
+            <a:fontRef idx="minor">
+              <a:schemeClr val="lt1"/>
+            </a:fontRef>
+          </p:style>
+          <p:txBody>
+            <a:bodyPr rtlCol="0" anchor="ctr"/>
+            <a:lstStyle/>
+            <a:p>
+              <a:pPr algn="ctr"/>
+              <a:r>
+                <a:rPr lang="sv-SE" dirty="0">
+                  <a:solidFill>
+                    <a:schemeClr val="tx1"/>
+                  </a:solidFill>
+                </a:rPr>
+                <a:t>Biometriska data</a:t>
+              </a:r>
+            </a:p>
+          </p:txBody>
+        </p:sp>
+        <p:sp>
+          <p:nvSpPr>
+            <p:cNvPr id="20" name="Rektangel 19">
+              <a:extLst>
+                <a:ext uri="{FF2B5EF4-FFF2-40B4-BE49-F238E27FC236}">
+                  <a16:creationId xmlns:a16="http://schemas.microsoft.com/office/drawing/2014/main" id="{D665DBE3-FF14-04A7-F38D-AE81D2488E9B}"/>
+                </a:ext>
+              </a:extLst>
+            </p:cNvPr>
+            <p:cNvSpPr/>
+            <p:nvPr/>
+          </p:nvSpPr>
+          <p:spPr>
+            <a:xfrm>
+              <a:off x="2326053" y="4338828"/>
+              <a:ext cx="4136866" cy="694944"/>
+            </a:xfrm>
+            <a:prstGeom prst="rect">
+              <a:avLst/>
+            </a:prstGeom>
+            <a:solidFill>
+              <a:schemeClr val="bg1"/>
+            </a:solidFill>
+          </p:spPr>
+          <p:style>
+            <a:lnRef idx="2">
+              <a:schemeClr val="accent1">
+                <a:shade val="15000"/>
+              </a:schemeClr>
+            </a:lnRef>
+            <a:fillRef idx="1">
+              <a:schemeClr val="accent1"/>
+            </a:fillRef>
+            <a:effectRef idx="0">
+              <a:schemeClr val="accent1"/>
+            </a:effectRef>
+            <a:fontRef idx="minor">
+              <a:schemeClr val="lt1"/>
+            </a:fontRef>
+          </p:style>
+          <p:txBody>
+            <a:bodyPr rtlCol="0" anchor="ctr"/>
+            <a:lstStyle/>
+            <a:p>
+              <a:pPr algn="ctr"/>
+              <a:r>
+                <a:rPr lang="sv-SE" dirty="0">
+                  <a:solidFill>
+                    <a:schemeClr val="tx1"/>
+                  </a:solidFill>
+                </a:rPr>
+                <a:t>Kontinuerliga variabler</a:t>
+              </a:r>
+            </a:p>
+          </p:txBody>
+        </p:sp>
+        <p:sp>
+          <p:nvSpPr>
+            <p:cNvPr id="23" name="Rektangel 22">
+              <a:extLst>
+                <a:ext uri="{FF2B5EF4-FFF2-40B4-BE49-F238E27FC236}">
+                  <a16:creationId xmlns:a16="http://schemas.microsoft.com/office/drawing/2014/main" id="{75FFBD78-5DA5-4959-C2BE-4559AC742E6C}"/>
+                </a:ext>
+              </a:extLst>
+            </p:cNvPr>
+            <p:cNvSpPr/>
+            <p:nvPr/>
+          </p:nvSpPr>
+          <p:spPr>
+            <a:xfrm>
+              <a:off x="2326053" y="5618988"/>
+              <a:ext cx="4136866" cy="694944"/>
+            </a:xfrm>
+            <a:prstGeom prst="rect">
+              <a:avLst/>
+            </a:prstGeom>
+            <a:solidFill>
+              <a:schemeClr val="bg1"/>
+            </a:solidFill>
+          </p:spPr>
+          <p:style>
+            <a:lnRef idx="2">
+              <a:schemeClr val="accent1">
+                <a:shade val="15000"/>
+              </a:schemeClr>
+            </a:lnRef>
+            <a:fillRef idx="1">
+              <a:schemeClr val="accent1"/>
+            </a:fillRef>
+            <a:effectRef idx="0">
+              <a:schemeClr val="accent1"/>
+            </a:effectRef>
+            <a:fontRef idx="minor">
+              <a:schemeClr val="lt1"/>
+            </a:fontRef>
+          </p:style>
+          <p:txBody>
+            <a:bodyPr rtlCol="0" anchor="ctr"/>
+            <a:lstStyle/>
+            <a:p>
+              <a:pPr algn="ctr"/>
+              <a:r>
+                <a:rPr lang="sv-SE" dirty="0">
+                  <a:solidFill>
+                    <a:schemeClr val="tx1"/>
+                  </a:solidFill>
+                </a:rPr>
+                <a:t>”Milstolpar” (Ja/Nej)</a:t>
+              </a:r>
+            </a:p>
+          </p:txBody>
+        </p:sp>
+        <p:cxnSp>
+          <p:nvCxnSpPr>
+            <p:cNvPr id="25" name="Rak koppling 24">
+              <a:extLst>
+                <a:ext uri="{FF2B5EF4-FFF2-40B4-BE49-F238E27FC236}">
+                  <a16:creationId xmlns:a16="http://schemas.microsoft.com/office/drawing/2014/main" id="{E38643F8-56B4-E016-B88E-77881418EA22}"/>
+                </a:ext>
+              </a:extLst>
+            </p:cNvPr>
+            <p:cNvCxnSpPr>
+              <a:cxnSpLocks/>
+              <a:stCxn id="9" idx="2"/>
+              <a:endCxn id="19" idx="0"/>
+            </p:cNvCxnSpPr>
+            <p:nvPr/>
+          </p:nvCxnSpPr>
+          <p:spPr>
+            <a:xfrm>
+              <a:off x="4394486" y="2388595"/>
+              <a:ext cx="4572" cy="660929"/>
+            </a:xfrm>
+            <a:prstGeom prst="line">
+              <a:avLst/>
+            </a:prstGeom>
+          </p:spPr>
+          <p:style>
+            <a:lnRef idx="2">
+              <a:schemeClr val="dk1"/>
+            </a:lnRef>
+            <a:fillRef idx="0">
+              <a:schemeClr val="dk1"/>
+            </a:fillRef>
+            <a:effectRef idx="1">
+              <a:schemeClr val="dk1"/>
+            </a:effectRef>
+            <a:fontRef idx="minor">
+              <a:schemeClr val="tx1"/>
+            </a:fontRef>
+          </p:style>
+        </p:cxnSp>
+        <p:cxnSp>
+          <p:nvCxnSpPr>
+            <p:cNvPr id="29" name="Rak koppling 28">
+              <a:extLst>
+                <a:ext uri="{FF2B5EF4-FFF2-40B4-BE49-F238E27FC236}">
+                  <a16:creationId xmlns:a16="http://schemas.microsoft.com/office/drawing/2014/main" id="{4BE5C80B-D22C-0C56-F03E-48EF2E95F349}"/>
+                </a:ext>
+              </a:extLst>
+            </p:cNvPr>
+            <p:cNvCxnSpPr>
+              <a:cxnSpLocks/>
+              <a:stCxn id="19" idx="2"/>
+            </p:cNvCxnSpPr>
+            <p:nvPr/>
+          </p:nvCxnSpPr>
+          <p:spPr>
+            <a:xfrm>
+              <a:off x="4399058" y="3744468"/>
+              <a:ext cx="0" cy="592211"/>
+            </a:xfrm>
+            <a:prstGeom prst="line">
+              <a:avLst/>
+            </a:prstGeom>
+          </p:spPr>
+          <p:style>
+            <a:lnRef idx="2">
+              <a:schemeClr val="dk1"/>
+            </a:lnRef>
+            <a:fillRef idx="0">
+              <a:schemeClr val="dk1"/>
+            </a:fillRef>
+            <a:effectRef idx="1">
+              <a:schemeClr val="dk1"/>
+            </a:effectRef>
+            <a:fontRef idx="minor">
+              <a:schemeClr val="tx1"/>
+            </a:fontRef>
+          </p:style>
+        </p:cxnSp>
+        <p:cxnSp>
+          <p:nvCxnSpPr>
+            <p:cNvPr id="31" name="Rak koppling 30">
+              <a:extLst>
+                <a:ext uri="{FF2B5EF4-FFF2-40B4-BE49-F238E27FC236}">
+                  <a16:creationId xmlns:a16="http://schemas.microsoft.com/office/drawing/2014/main" id="{D743B54C-885D-7821-5238-FA8232700AA4}"/>
+                </a:ext>
+              </a:extLst>
+            </p:cNvPr>
+            <p:cNvCxnSpPr>
+              <a:cxnSpLocks/>
+              <a:stCxn id="20" idx="2"/>
+              <a:endCxn id="23" idx="0"/>
+            </p:cNvCxnSpPr>
+            <p:nvPr/>
+          </p:nvCxnSpPr>
+          <p:spPr>
+            <a:xfrm>
+              <a:off x="4394486" y="5033772"/>
+              <a:ext cx="0" cy="585216"/>
+            </a:xfrm>
+            <a:prstGeom prst="line">
+              <a:avLst/>
+            </a:prstGeom>
+          </p:spPr>
+          <p:style>
+            <a:lnRef idx="2">
+              <a:schemeClr val="dk1"/>
+            </a:lnRef>
+            <a:fillRef idx="0">
+              <a:schemeClr val="dk1"/>
+            </a:fillRef>
+            <a:effectRef idx="1">
+              <a:schemeClr val="dk1"/>
+            </a:effectRef>
+            <a:fontRef idx="minor">
+              <a:schemeClr val="tx1"/>
+            </a:fontRef>
+          </p:style>
+        </p:cxnSp>
+      </p:grpSp>
+      <p:grpSp>
+        <p:nvGrpSpPr>
+          <p:cNvPr id="38" name="Grupp 37">
+            <a:extLst>
+              <a:ext uri="{FF2B5EF4-FFF2-40B4-BE49-F238E27FC236}">
+                <a16:creationId xmlns:a16="http://schemas.microsoft.com/office/drawing/2014/main" id="{96F16386-3890-9125-750F-22A2BB24FE16}"/>
+              </a:ext>
+            </a:extLst>
+          </p:cNvPr>
+          <p:cNvGrpSpPr/>
+          <p:nvPr/>
+        </p:nvGrpSpPr>
+        <p:grpSpPr>
+          <a:xfrm>
+            <a:off x="8403336" y="1818767"/>
+            <a:ext cx="1777463" cy="4365752"/>
+            <a:chOff x="8403336" y="1818767"/>
+            <a:chExt cx="1777463" cy="4365752"/>
+          </a:xfrm>
+        </p:grpSpPr>
+        <p:grpSp>
+          <p:nvGrpSpPr>
+            <p:cNvPr id="24" name="Grupp 23">
+              <a:extLst>
+                <a:ext uri="{FF2B5EF4-FFF2-40B4-BE49-F238E27FC236}">
+                  <a16:creationId xmlns:a16="http://schemas.microsoft.com/office/drawing/2014/main" id="{55B8CCA5-7AF0-7C44-8259-AFAB3161043E}"/>
+                </a:ext>
+              </a:extLst>
+            </p:cNvPr>
+            <p:cNvGrpSpPr/>
+            <p:nvPr/>
+          </p:nvGrpSpPr>
+          <p:grpSpPr>
+            <a:xfrm>
+              <a:off x="8403336" y="1913382"/>
+              <a:ext cx="207264" cy="4185666"/>
+              <a:chOff x="8403336" y="1913382"/>
+              <a:chExt cx="207264" cy="4185666"/>
+            </a:xfrm>
+          </p:grpSpPr>
+          <p:grpSp>
+            <p:nvGrpSpPr>
+              <p:cNvPr id="18" name="Grupp 17">
+                <a:extLst>
+                  <a:ext uri="{FF2B5EF4-FFF2-40B4-BE49-F238E27FC236}">
+                    <a16:creationId xmlns:a16="http://schemas.microsoft.com/office/drawing/2014/main" id="{822AB8F1-9ED8-215A-2686-BCEBF19A59A2}"/>
+                  </a:ext>
+                </a:extLst>
+              </p:cNvPr>
+              <p:cNvGrpSpPr/>
+              <p:nvPr/>
+            </p:nvGrpSpPr>
+            <p:grpSpPr>
+              <a:xfrm>
+                <a:off x="8403336" y="1913382"/>
+                <a:ext cx="192024" cy="2834640"/>
+                <a:chOff x="8403336" y="1593342"/>
+                <a:chExt cx="192024" cy="2834640"/>
+              </a:xfrm>
+            </p:grpSpPr>
+            <p:sp>
+              <p:nvSpPr>
+                <p:cNvPr id="10" name="Ellips 9">
+                  <a:extLst>
+                    <a:ext uri="{FF2B5EF4-FFF2-40B4-BE49-F238E27FC236}">
+                      <a16:creationId xmlns:a16="http://schemas.microsoft.com/office/drawing/2014/main" id="{D04CE26F-04BD-0234-F78D-E083AACDF414}"/>
+                    </a:ext>
+                  </a:extLst>
+                </p:cNvPr>
+                <p:cNvSpPr/>
+                <p:nvPr/>
+              </p:nvSpPr>
+              <p:spPr>
+                <a:xfrm>
+                  <a:off x="8403336" y="1593342"/>
+                  <a:ext cx="164592" cy="132588"/>
+                </a:xfrm>
+                <a:prstGeom prst="ellipse">
+                  <a:avLst/>
+                </a:prstGeom>
+              </p:spPr>
+              <p:style>
+                <a:lnRef idx="2">
+                  <a:schemeClr val="dk1">
+                    <a:shade val="15000"/>
+                  </a:schemeClr>
+                </a:lnRef>
+                <a:fillRef idx="1">
+                  <a:schemeClr val="dk1"/>
+                </a:fillRef>
+                <a:effectRef idx="0">
+                  <a:schemeClr val="dk1"/>
+                </a:effectRef>
+                <a:fontRef idx="minor">
+                  <a:schemeClr val="lt1"/>
+                </a:fontRef>
+              </p:style>
+              <p:txBody>
+                <a:bodyPr rtlCol="0" anchor="ctr"/>
+                <a:lstStyle/>
+                <a:p>
+                  <a:pPr algn="ctr"/>
+                  <a:endParaRPr lang="sv-SE"/>
+                </a:p>
+              </p:txBody>
+            </p:sp>
+            <p:cxnSp>
+              <p:nvCxnSpPr>
+                <p:cNvPr id="12" name="Rak koppling 11">
+                  <a:extLst>
+                    <a:ext uri="{FF2B5EF4-FFF2-40B4-BE49-F238E27FC236}">
+                      <a16:creationId xmlns:a16="http://schemas.microsoft.com/office/drawing/2014/main" id="{5A200992-003D-CBE3-F61C-8DC48EA3300B}"/>
+                    </a:ext>
+                  </a:extLst>
+                </p:cNvPr>
+                <p:cNvCxnSpPr>
+                  <a:stCxn id="10" idx="4"/>
+                </p:cNvCxnSpPr>
+                <p:nvPr/>
+              </p:nvCxnSpPr>
+              <p:spPr>
+                <a:xfrm>
+                  <a:off x="8485632" y="1725930"/>
+                  <a:ext cx="9144" cy="1218438"/>
+                </a:xfrm>
+                <a:prstGeom prst="line">
+                  <a:avLst/>
+                </a:prstGeom>
+              </p:spPr>
+              <p:style>
+                <a:lnRef idx="2">
+                  <a:schemeClr val="dk1"/>
+                </a:lnRef>
+                <a:fillRef idx="0">
+                  <a:schemeClr val="dk1"/>
+                </a:fillRef>
+                <a:effectRef idx="1">
+                  <a:schemeClr val="dk1"/>
+                </a:effectRef>
+                <a:fontRef idx="minor">
+                  <a:schemeClr val="tx1"/>
+                </a:fontRef>
+              </p:style>
+            </p:cxnSp>
+            <p:sp>
+              <p:nvSpPr>
+                <p:cNvPr id="13" name="Ellips 12">
+                  <a:extLst>
+                    <a:ext uri="{FF2B5EF4-FFF2-40B4-BE49-F238E27FC236}">
+                      <a16:creationId xmlns:a16="http://schemas.microsoft.com/office/drawing/2014/main" id="{242C2213-960A-709C-79D5-6A3552A48303}"/>
+                    </a:ext>
+                  </a:extLst>
+                </p:cNvPr>
+                <p:cNvSpPr/>
+                <p:nvPr/>
+              </p:nvSpPr>
+              <p:spPr>
+                <a:xfrm>
+                  <a:off x="8412480" y="2944368"/>
+                  <a:ext cx="164592" cy="132588"/>
+                </a:xfrm>
+                <a:prstGeom prst="ellipse">
+                  <a:avLst/>
+                </a:prstGeom>
+              </p:spPr>
+              <p:style>
+                <a:lnRef idx="2">
+                  <a:schemeClr val="dk1">
+                    <a:shade val="15000"/>
+                  </a:schemeClr>
+                </a:lnRef>
+                <a:fillRef idx="1">
+                  <a:schemeClr val="dk1"/>
+                </a:fillRef>
+                <a:effectRef idx="0">
+                  <a:schemeClr val="dk1"/>
+                </a:effectRef>
+                <a:fontRef idx="minor">
+                  <a:schemeClr val="lt1"/>
+                </a:fontRef>
+              </p:style>
+              <p:txBody>
+                <a:bodyPr rtlCol="0" anchor="ctr"/>
+                <a:lstStyle/>
+                <a:p>
+                  <a:pPr algn="ctr"/>
+                  <a:endParaRPr lang="sv-SE"/>
+                </a:p>
+              </p:txBody>
+            </p:sp>
+            <p:sp>
+              <p:nvSpPr>
+                <p:cNvPr id="14" name="Ellips 13">
+                  <a:extLst>
+                    <a:ext uri="{FF2B5EF4-FFF2-40B4-BE49-F238E27FC236}">
+                      <a16:creationId xmlns:a16="http://schemas.microsoft.com/office/drawing/2014/main" id="{D4F9EDC0-F9D7-557E-12B7-E3C7B1E12F29}"/>
+                    </a:ext>
+                  </a:extLst>
+                </p:cNvPr>
+                <p:cNvSpPr/>
+                <p:nvPr/>
+              </p:nvSpPr>
+              <p:spPr>
+                <a:xfrm>
+                  <a:off x="8430768" y="4295394"/>
+                  <a:ext cx="164592" cy="132588"/>
+                </a:xfrm>
+                <a:prstGeom prst="ellipse">
+                  <a:avLst/>
+                </a:prstGeom>
+              </p:spPr>
+              <p:style>
+                <a:lnRef idx="2">
+                  <a:schemeClr val="dk1">
+                    <a:shade val="15000"/>
+                  </a:schemeClr>
+                </a:lnRef>
+                <a:fillRef idx="1">
+                  <a:schemeClr val="dk1"/>
+                </a:fillRef>
+                <a:effectRef idx="0">
+                  <a:schemeClr val="dk1"/>
+                </a:effectRef>
+                <a:fontRef idx="minor">
+                  <a:schemeClr val="lt1"/>
+                </a:fontRef>
+              </p:style>
+              <p:txBody>
+                <a:bodyPr rtlCol="0" anchor="ctr"/>
+                <a:lstStyle/>
+                <a:p>
+                  <a:pPr algn="ctr"/>
+                  <a:endParaRPr lang="sv-SE"/>
+                </a:p>
+              </p:txBody>
+            </p:sp>
+            <p:cxnSp>
+              <p:nvCxnSpPr>
+                <p:cNvPr id="15" name="Rak koppling 14">
+                  <a:extLst>
+                    <a:ext uri="{FF2B5EF4-FFF2-40B4-BE49-F238E27FC236}">
+                      <a16:creationId xmlns:a16="http://schemas.microsoft.com/office/drawing/2014/main" id="{A5B43547-3A30-D5D3-C952-601E342F6BDB}"/>
+                    </a:ext>
+                  </a:extLst>
+                </p:cNvPr>
+                <p:cNvCxnSpPr>
+                  <a:cxnSpLocks/>
+                  <a:stCxn id="13" idx="4"/>
+                  <a:endCxn id="14" idx="0"/>
+                </p:cNvCxnSpPr>
+                <p:nvPr/>
+              </p:nvCxnSpPr>
+              <p:spPr>
+                <a:xfrm>
+                  <a:off x="8494776" y="3076956"/>
+                  <a:ext cx="18288" cy="1218438"/>
+                </a:xfrm>
+                <a:prstGeom prst="line">
+                  <a:avLst/>
+                </a:prstGeom>
+              </p:spPr>
+              <p:style>
+                <a:lnRef idx="2">
+                  <a:schemeClr val="dk1"/>
+                </a:lnRef>
+                <a:fillRef idx="0">
+                  <a:schemeClr val="dk1"/>
+                </a:fillRef>
+                <a:effectRef idx="1">
+                  <a:schemeClr val="dk1"/>
+                </a:effectRef>
+                <a:fontRef idx="minor">
+                  <a:schemeClr val="tx1"/>
+                </a:fontRef>
+              </p:style>
+            </p:cxnSp>
+          </p:grpSp>
+          <p:sp>
+            <p:nvSpPr>
+              <p:cNvPr id="21" name="Ellips 20">
+                <a:extLst>
+                  <a:ext uri="{FF2B5EF4-FFF2-40B4-BE49-F238E27FC236}">
+                    <a16:creationId xmlns:a16="http://schemas.microsoft.com/office/drawing/2014/main" id="{ABEA80E8-D3B0-9EC0-6331-FD3EF7CFFE40}"/>
+                  </a:ext>
+                </a:extLst>
+              </p:cNvPr>
+              <p:cNvSpPr/>
+              <p:nvPr/>
+            </p:nvSpPr>
+            <p:spPr>
+              <a:xfrm>
+                <a:off x="8446008" y="5966460"/>
+                <a:ext cx="164592" cy="132588"/>
+              </a:xfrm>
+              <a:prstGeom prst="ellipse">
+                <a:avLst/>
+              </a:prstGeom>
+            </p:spPr>
+            <p:style>
+              <a:lnRef idx="2">
+                <a:schemeClr val="dk1">
+                  <a:shade val="15000"/>
+                </a:schemeClr>
+              </a:lnRef>
+              <a:fillRef idx="1">
+                <a:schemeClr val="dk1"/>
+              </a:fillRef>
+              <a:effectRef idx="0">
+                <a:schemeClr val="dk1"/>
+              </a:effectRef>
+              <a:fontRef idx="minor">
+                <a:schemeClr val="lt1"/>
+              </a:fontRef>
+            </p:style>
+            <p:txBody>
+              <a:bodyPr rtlCol="0" anchor="ctr"/>
+              <a:lstStyle/>
+              <a:p>
+                <a:pPr algn="ctr"/>
+                <a:endParaRPr lang="sv-SE"/>
+              </a:p>
+            </p:txBody>
+          </p:sp>
+          <p:cxnSp>
+            <p:nvCxnSpPr>
+              <p:cNvPr id="22" name="Rak koppling 21">
+                <a:extLst>
+                  <a:ext uri="{FF2B5EF4-FFF2-40B4-BE49-F238E27FC236}">
+                    <a16:creationId xmlns:a16="http://schemas.microsoft.com/office/drawing/2014/main" id="{15BC01E5-6080-BAD4-524F-A1A48178E591}"/>
+                  </a:ext>
+                </a:extLst>
+              </p:cNvPr>
+              <p:cNvCxnSpPr>
+                <a:cxnSpLocks/>
+                <a:endCxn id="21" idx="0"/>
+              </p:cNvCxnSpPr>
+              <p:nvPr/>
+            </p:nvCxnSpPr>
+            <p:spPr>
+              <a:xfrm>
+                <a:off x="8510016" y="4748022"/>
+                <a:ext cx="18288" cy="1218438"/>
+              </a:xfrm>
+              <a:prstGeom prst="line">
+                <a:avLst/>
+              </a:prstGeom>
+            </p:spPr>
+            <p:style>
+              <a:lnRef idx="2">
+                <a:schemeClr val="dk1"/>
+              </a:lnRef>
+              <a:fillRef idx="0">
+                <a:schemeClr val="dk1"/>
+              </a:fillRef>
+              <a:effectRef idx="1">
+                <a:schemeClr val="dk1"/>
+              </a:effectRef>
+              <a:fontRef idx="minor">
+                <a:schemeClr val="tx1"/>
+              </a:fontRef>
+            </p:style>
+          </p:cxnSp>
+        </p:grpSp>
+        <p:sp>
+          <p:nvSpPr>
+            <p:cNvPr id="34" name="Rektangel 33">
+              <a:extLst>
+                <a:ext uri="{FF2B5EF4-FFF2-40B4-BE49-F238E27FC236}">
+                  <a16:creationId xmlns:a16="http://schemas.microsoft.com/office/drawing/2014/main" id="{CB9C982E-E145-7EA1-60F8-427B0F503DF7}"/>
+                </a:ext>
+              </a:extLst>
+            </p:cNvPr>
+            <p:cNvSpPr/>
+            <p:nvPr/>
+          </p:nvSpPr>
+          <p:spPr>
+            <a:xfrm>
+              <a:off x="8937215" y="1818767"/>
+              <a:ext cx="1243584" cy="316916"/>
+            </a:xfrm>
+            <a:prstGeom prst="rect">
+              <a:avLst/>
+            </a:prstGeom>
+          </p:spPr>
+          <p:style>
+            <a:lnRef idx="2">
+              <a:schemeClr val="dk1"/>
+            </a:lnRef>
+            <a:fillRef idx="1">
+              <a:schemeClr val="lt1"/>
+            </a:fillRef>
+            <a:effectRef idx="0">
+              <a:schemeClr val="dk1"/>
+            </a:effectRef>
+            <a:fontRef idx="minor">
+              <a:schemeClr val="dk1"/>
+            </a:fontRef>
+          </p:style>
+          <p:txBody>
+            <a:bodyPr rtlCol="0" anchor="ctr"/>
+            <a:lstStyle/>
+            <a:p>
+              <a:pPr algn="ctr"/>
+              <a:r>
+                <a:rPr lang="sv-SE" dirty="0"/>
+                <a:t>Del 1/4</a:t>
+              </a:r>
+            </a:p>
+          </p:txBody>
+        </p:sp>
+        <p:sp>
+          <p:nvSpPr>
+            <p:cNvPr id="35" name="Rektangel 34">
+              <a:extLst>
+                <a:ext uri="{FF2B5EF4-FFF2-40B4-BE49-F238E27FC236}">
+                  <a16:creationId xmlns:a16="http://schemas.microsoft.com/office/drawing/2014/main" id="{E3AA5971-4986-C0EC-8523-A23E25C1355E}"/>
+                </a:ext>
+              </a:extLst>
+            </p:cNvPr>
+            <p:cNvSpPr/>
+            <p:nvPr/>
+          </p:nvSpPr>
+          <p:spPr>
+            <a:xfrm>
+              <a:off x="8937215" y="3169793"/>
+              <a:ext cx="1243584" cy="316916"/>
+            </a:xfrm>
+            <a:prstGeom prst="rect">
+              <a:avLst/>
+            </a:prstGeom>
+          </p:spPr>
+          <p:style>
+            <a:lnRef idx="2">
+              <a:schemeClr val="dk1"/>
+            </a:lnRef>
+            <a:fillRef idx="1">
+              <a:schemeClr val="lt1"/>
+            </a:fillRef>
+            <a:effectRef idx="0">
+              <a:schemeClr val="dk1"/>
+            </a:effectRef>
+            <a:fontRef idx="minor">
+              <a:schemeClr val="dk1"/>
+            </a:fontRef>
+          </p:style>
+          <p:txBody>
+            <a:bodyPr rtlCol="0" anchor="ctr"/>
+            <a:lstStyle/>
+            <a:p>
+              <a:pPr algn="ctr"/>
+              <a:r>
+                <a:rPr lang="sv-SE" dirty="0"/>
+                <a:t>Del 2/4</a:t>
+              </a:r>
+            </a:p>
+          </p:txBody>
+        </p:sp>
+        <p:sp>
+          <p:nvSpPr>
+            <p:cNvPr id="36" name="Rektangel 35">
+              <a:extLst>
+                <a:ext uri="{FF2B5EF4-FFF2-40B4-BE49-F238E27FC236}">
+                  <a16:creationId xmlns:a16="http://schemas.microsoft.com/office/drawing/2014/main" id="{54CBBAB2-3B11-FED9-8C94-90108C5D60CC}"/>
+                </a:ext>
+              </a:extLst>
+            </p:cNvPr>
+            <p:cNvSpPr/>
+            <p:nvPr/>
+          </p:nvSpPr>
+          <p:spPr>
+            <a:xfrm>
+              <a:off x="8937215" y="4523270"/>
+              <a:ext cx="1243584" cy="316916"/>
+            </a:xfrm>
+            <a:prstGeom prst="rect">
+              <a:avLst/>
+            </a:prstGeom>
+          </p:spPr>
+          <p:style>
+            <a:lnRef idx="2">
+              <a:schemeClr val="dk1"/>
+            </a:lnRef>
+            <a:fillRef idx="1">
+              <a:schemeClr val="lt1"/>
+            </a:fillRef>
+            <a:effectRef idx="0">
+              <a:schemeClr val="dk1"/>
+            </a:effectRef>
+            <a:fontRef idx="minor">
+              <a:schemeClr val="dk1"/>
+            </a:fontRef>
+          </p:style>
+          <p:txBody>
+            <a:bodyPr rtlCol="0" anchor="ctr"/>
+            <a:lstStyle/>
+            <a:p>
+              <a:pPr algn="ctr"/>
+              <a:r>
+                <a:rPr lang="sv-SE" dirty="0"/>
+                <a:t>Del 3/4</a:t>
+              </a:r>
+            </a:p>
+          </p:txBody>
+        </p:sp>
+        <p:sp>
+          <p:nvSpPr>
+            <p:cNvPr id="37" name="Rektangel 36">
+              <a:extLst>
+                <a:ext uri="{FF2B5EF4-FFF2-40B4-BE49-F238E27FC236}">
+                  <a16:creationId xmlns:a16="http://schemas.microsoft.com/office/drawing/2014/main" id="{F6032F4C-D714-EC0D-047E-EE72EF2D1B9F}"/>
+                </a:ext>
+              </a:extLst>
+            </p:cNvPr>
+            <p:cNvSpPr/>
+            <p:nvPr/>
+          </p:nvSpPr>
+          <p:spPr>
+            <a:xfrm>
+              <a:off x="8937215" y="5867603"/>
+              <a:ext cx="1243584" cy="316916"/>
+            </a:xfrm>
+            <a:prstGeom prst="rect">
+              <a:avLst/>
+            </a:prstGeom>
+          </p:spPr>
+          <p:style>
+            <a:lnRef idx="2">
+              <a:schemeClr val="dk1"/>
+            </a:lnRef>
+            <a:fillRef idx="1">
+              <a:schemeClr val="lt1"/>
+            </a:fillRef>
+            <a:effectRef idx="0">
+              <a:schemeClr val="dk1"/>
+            </a:effectRef>
+            <a:fontRef idx="minor">
+              <a:schemeClr val="dk1"/>
+            </a:fontRef>
+          </p:style>
+          <p:txBody>
+            <a:bodyPr rtlCol="0" anchor="ctr"/>
+            <a:lstStyle/>
+            <a:p>
+              <a:pPr algn="ctr"/>
+              <a:r>
+                <a:rPr lang="sv-SE" dirty="0"/>
+                <a:t>Del 4/4</a:t>
+              </a:r>
+            </a:p>
+          </p:txBody>
+        </p:sp>
+      </p:grpSp>
+      <p:pic>
+        <p:nvPicPr>
+          <p:cNvPr id="40" name="Picture 4" descr="Distribution Chart Icon Clipart Normal Distribution - Normal Icon PNG ...">
+            <a:extLst>
+              <a:ext uri="{FF2B5EF4-FFF2-40B4-BE49-F238E27FC236}">
+                <a16:creationId xmlns:a16="http://schemas.microsoft.com/office/drawing/2014/main" id="{FF329EE1-96EE-8584-4DA1-29A0094517DE}"/>
+              </a:ext>
+            </a:extLst>
+          </p:cNvPr>
+          <p:cNvPicPr>
+            <a:picLocks noChangeAspect="1" noChangeArrowheads="1"/>
+          </p:cNvPicPr>
+          <p:nvPr/>
+        </p:nvPicPr>
+        <p:blipFill>
+          <a:blip r:embed="rId2">
+            <a:extLst>
+              <a:ext uri="{28A0092B-C50C-407E-A947-70E740481C1C}">
+                <a14:useLocalDpi xmlns:a14="http://schemas.microsoft.com/office/drawing/2010/main" val="0"/>
+              </a:ext>
+            </a:extLst>
+          </a:blip>
+          <a:srcRect/>
+          <a:stretch>
+            <a:fillRect/>
+          </a:stretch>
+        </p:blipFill>
+        <p:spPr bwMode="auto">
+          <a:xfrm>
+            <a:off x="521208" y="514516"/>
+            <a:ext cx="1225296" cy="584775"/>
+          </a:xfrm>
+          <a:prstGeom prst="rect">
+            <a:avLst/>
+          </a:prstGeom>
+          <a:noFill/>
+          <a:extLst>
+            <a:ext uri="{909E8E84-426E-40DD-AFC4-6F175D3DCCD1}">
+              <a14:hiddenFill xmlns:a14="http://schemas.microsoft.com/office/drawing/2010/main">
+                <a:solidFill>
+                  <a:srgbClr val="FFFFFF"/>
+                </a:solidFill>
+              </a14:hiddenFill>
+            </a:ext>
+          </a:extLst>
+        </p:spPr>
+      </p:pic>
     </p:spTree>
     <p:extLst>
       <p:ext uri="{BB962C8B-B14F-4D97-AF65-F5344CB8AC3E}">
@@ -4586,6 +6043,1172 @@
 </file>
 
 <file path=ppt/slides/slide3.xml><?xml version="1.0" encoding="utf-8"?>
+<p:sld xmlns:a="http://schemas.openxmlformats.org/drawingml/2006/main" xmlns:r="http://schemas.openxmlformats.org/officeDocument/2006/relationships" xmlns:p="http://schemas.openxmlformats.org/presentationml/2006/main">
+  <p:cSld>
+    <p:spTree>
+      <p:nvGrpSpPr>
+        <p:cNvPr id="1" name="">
+          <a:extLst>
+            <a:ext uri="{FF2B5EF4-FFF2-40B4-BE49-F238E27FC236}">
+              <a16:creationId xmlns:a16="http://schemas.microsoft.com/office/drawing/2014/main" id="{82A68AA2-6ADC-FDF5-9BFD-0AF3F7B14A41}"/>
+            </a:ext>
+          </a:extLst>
+        </p:cNvPr>
+        <p:cNvGrpSpPr/>
+        <p:nvPr/>
+      </p:nvGrpSpPr>
+      <p:grpSpPr>
+        <a:xfrm>
+          <a:off x="0" y="0"/>
+          <a:ext cx="0" cy="0"/>
+          <a:chOff x="0" y="0"/>
+          <a:chExt cx="0" cy="0"/>
+        </a:xfrm>
+      </p:grpSpPr>
+      <p:sp>
+        <p:nvSpPr>
+          <p:cNvPr id="2" name="textruta 1">
+            <a:extLst>
+              <a:ext uri="{FF2B5EF4-FFF2-40B4-BE49-F238E27FC236}">
+                <a16:creationId xmlns:a16="http://schemas.microsoft.com/office/drawing/2014/main" id="{C14F61EB-9BD4-3D63-024B-DC9CE74B2E58}"/>
+              </a:ext>
+            </a:extLst>
+          </p:cNvPr>
+          <p:cNvSpPr txBox="1"/>
+          <p:nvPr/>
+        </p:nvSpPr>
+        <p:spPr>
+          <a:xfrm>
+            <a:off x="1746504" y="514516"/>
+            <a:ext cx="3520440" cy="584775"/>
+          </a:xfrm>
+          <a:prstGeom prst="rect">
+            <a:avLst/>
+          </a:prstGeom>
+          <a:noFill/>
+        </p:spPr>
+        <p:txBody>
+          <a:bodyPr wrap="square" rtlCol="0">
+            <a:spAutoFit/>
+          </a:bodyPr>
+          <a:lstStyle/>
+          <a:p>
+            <a:r>
+              <a:rPr lang="sv-SE" sz="3200" dirty="0"/>
+              <a:t>DITT LIV I SIFFROR</a:t>
+            </a:r>
+          </a:p>
+        </p:txBody>
+      </p:sp>
+      <p:pic>
+        <p:nvPicPr>
+          <p:cNvPr id="1028" name="Picture 4" descr="Distribution Chart Icon Clipart Normal Distribution - Normal Icon PNG ...">
+            <a:extLst>
+              <a:ext uri="{FF2B5EF4-FFF2-40B4-BE49-F238E27FC236}">
+                <a16:creationId xmlns:a16="http://schemas.microsoft.com/office/drawing/2014/main" id="{9CE16BE5-53AA-2A79-08DD-2AD357FA5981}"/>
+              </a:ext>
+            </a:extLst>
+          </p:cNvPr>
+          <p:cNvPicPr>
+            <a:picLocks noChangeAspect="1" noChangeArrowheads="1"/>
+          </p:cNvPicPr>
+          <p:nvPr/>
+        </p:nvPicPr>
+        <p:blipFill>
+          <a:blip r:embed="rId2">
+            <a:extLst>
+              <a:ext uri="{28A0092B-C50C-407E-A947-70E740481C1C}">
+                <a14:useLocalDpi xmlns:a14="http://schemas.microsoft.com/office/drawing/2010/main" val="0"/>
+              </a:ext>
+            </a:extLst>
+          </a:blip>
+          <a:srcRect/>
+          <a:stretch>
+            <a:fillRect/>
+          </a:stretch>
+        </p:blipFill>
+        <p:spPr bwMode="auto">
+          <a:xfrm>
+            <a:off x="521208" y="514516"/>
+            <a:ext cx="1225296" cy="584775"/>
+          </a:xfrm>
+          <a:prstGeom prst="rect">
+            <a:avLst/>
+          </a:prstGeom>
+          <a:noFill/>
+          <a:extLst>
+            <a:ext uri="{909E8E84-426E-40DD-AFC4-6F175D3DCCD1}">
+              <a14:hiddenFill xmlns:a14="http://schemas.microsoft.com/office/drawing/2010/main">
+                <a:solidFill>
+                  <a:srgbClr val="FFFFFF"/>
+                </a:solidFill>
+              </a14:hiddenFill>
+            </a:ext>
+          </a:extLst>
+        </p:spPr>
+      </p:pic>
+      <p:grpSp>
+        <p:nvGrpSpPr>
+          <p:cNvPr id="6" name="Grupp 5">
+            <a:extLst>
+              <a:ext uri="{FF2B5EF4-FFF2-40B4-BE49-F238E27FC236}">
+                <a16:creationId xmlns:a16="http://schemas.microsoft.com/office/drawing/2014/main" id="{836CFEAE-4F08-8D1F-1122-7864F7F362AC}"/>
+              </a:ext>
+            </a:extLst>
+          </p:cNvPr>
+          <p:cNvGrpSpPr/>
+          <p:nvPr/>
+        </p:nvGrpSpPr>
+        <p:grpSpPr>
+          <a:xfrm>
+            <a:off x="6841220" y="606848"/>
+            <a:ext cx="4960001" cy="400110"/>
+            <a:chOff x="6889492" y="519985"/>
+            <a:chExt cx="4960001" cy="400110"/>
+          </a:xfrm>
+        </p:grpSpPr>
+        <p:sp>
+          <p:nvSpPr>
+            <p:cNvPr id="3" name="textruta 2">
+              <a:extLst>
+                <a:ext uri="{FF2B5EF4-FFF2-40B4-BE49-F238E27FC236}">
+                  <a16:creationId xmlns:a16="http://schemas.microsoft.com/office/drawing/2014/main" id="{684AD5B0-CC5B-AD1D-A4C5-17FC87C500B7}"/>
+                </a:ext>
+              </a:extLst>
+            </p:cNvPr>
+            <p:cNvSpPr txBox="1"/>
+            <p:nvPr/>
+          </p:nvSpPr>
+          <p:spPr>
+            <a:xfrm>
+              <a:off x="6889492" y="519985"/>
+              <a:ext cx="868768" cy="400110"/>
+            </a:xfrm>
+            <a:prstGeom prst="rect">
+              <a:avLst/>
+            </a:prstGeom>
+            <a:noFill/>
+          </p:spPr>
+          <p:txBody>
+            <a:bodyPr wrap="square" rtlCol="0">
+              <a:spAutoFit/>
+            </a:bodyPr>
+            <a:lstStyle/>
+            <a:p>
+              <a:r>
+                <a:rPr lang="sv-SE" sz="2000" dirty="0"/>
+                <a:t>START</a:t>
+              </a:r>
+            </a:p>
+          </p:txBody>
+        </p:sp>
+        <p:sp>
+          <p:nvSpPr>
+            <p:cNvPr id="4" name="textruta 3">
+              <a:extLst>
+                <a:ext uri="{FF2B5EF4-FFF2-40B4-BE49-F238E27FC236}">
+                  <a16:creationId xmlns:a16="http://schemas.microsoft.com/office/drawing/2014/main" id="{E018DE49-C28C-4456-B1E6-66FD59BB5808}"/>
+                </a:ext>
+              </a:extLst>
+            </p:cNvPr>
+            <p:cNvSpPr txBox="1"/>
+            <p:nvPr/>
+          </p:nvSpPr>
+          <p:spPr>
+            <a:xfrm>
+              <a:off x="7967472" y="519985"/>
+              <a:ext cx="1639807" cy="400110"/>
+            </a:xfrm>
+            <a:prstGeom prst="rect">
+              <a:avLst/>
+            </a:prstGeom>
+            <a:noFill/>
+          </p:spPr>
+          <p:txBody>
+            <a:bodyPr wrap="square" rtlCol="0">
+              <a:spAutoFit/>
+            </a:bodyPr>
+            <a:lstStyle/>
+            <a:p>
+              <a:r>
+                <a:rPr lang="sv-SE" sz="2000" dirty="0"/>
+                <a:t>GÖR TESTET</a:t>
+              </a:r>
+            </a:p>
+          </p:txBody>
+        </p:sp>
+        <p:sp>
+          <p:nvSpPr>
+            <p:cNvPr id="5" name="textruta 4">
+              <a:extLst>
+                <a:ext uri="{FF2B5EF4-FFF2-40B4-BE49-F238E27FC236}">
+                  <a16:creationId xmlns:a16="http://schemas.microsoft.com/office/drawing/2014/main" id="{399B98B6-E747-9ECC-40B8-AF1781891363}"/>
+                </a:ext>
+              </a:extLst>
+            </p:cNvPr>
+            <p:cNvSpPr txBox="1"/>
+            <p:nvPr/>
+          </p:nvSpPr>
+          <p:spPr>
+            <a:xfrm>
+              <a:off x="9816490" y="519985"/>
+              <a:ext cx="2033003" cy="400110"/>
+            </a:xfrm>
+            <a:prstGeom prst="rect">
+              <a:avLst/>
+            </a:prstGeom>
+            <a:noFill/>
+          </p:spPr>
+          <p:txBody>
+            <a:bodyPr wrap="square" rtlCol="0">
+              <a:spAutoFit/>
+            </a:bodyPr>
+            <a:lstStyle/>
+            <a:p>
+              <a:r>
+                <a:rPr lang="sv-SE" sz="2000" dirty="0"/>
+                <a:t>OM STATISTIKEN</a:t>
+              </a:r>
+            </a:p>
+          </p:txBody>
+        </p:sp>
+      </p:grpSp>
+      <p:sp>
+        <p:nvSpPr>
+          <p:cNvPr id="7" name="textruta 6">
+            <a:extLst>
+              <a:ext uri="{FF2B5EF4-FFF2-40B4-BE49-F238E27FC236}">
+                <a16:creationId xmlns:a16="http://schemas.microsoft.com/office/drawing/2014/main" id="{846ECCE2-F44E-B810-626D-46A225E19FCF}"/>
+              </a:ext>
+            </a:extLst>
+          </p:cNvPr>
+          <p:cNvSpPr txBox="1"/>
+          <p:nvPr/>
+        </p:nvSpPr>
+        <p:spPr>
+          <a:xfrm>
+            <a:off x="0" y="0"/>
+            <a:ext cx="753220" cy="307777"/>
+          </a:xfrm>
+          <a:prstGeom prst="rect">
+            <a:avLst/>
+          </a:prstGeom>
+          <a:noFill/>
+        </p:spPr>
+        <p:txBody>
+          <a:bodyPr wrap="none" rtlCol="0">
+            <a:spAutoFit/>
+          </a:bodyPr>
+          <a:lstStyle/>
+          <a:p>
+            <a:r>
+              <a:rPr lang="sv-SE" sz="1400" dirty="0"/>
+              <a:t>rapport</a:t>
+            </a:r>
+          </a:p>
+        </p:txBody>
+      </p:sp>
+      <p:sp>
+        <p:nvSpPr>
+          <p:cNvPr id="8" name="textruta 7">
+            <a:extLst>
+              <a:ext uri="{FF2B5EF4-FFF2-40B4-BE49-F238E27FC236}">
+                <a16:creationId xmlns:a16="http://schemas.microsoft.com/office/drawing/2014/main" id="{161250F0-A4DF-C824-FB3E-C1F5D3584E64}"/>
+              </a:ext>
+            </a:extLst>
+          </p:cNvPr>
+          <p:cNvSpPr txBox="1"/>
+          <p:nvPr/>
+        </p:nvSpPr>
+        <p:spPr>
+          <a:xfrm>
+            <a:off x="114327" y="6466465"/>
+            <a:ext cx="5969904" cy="261610"/>
+          </a:xfrm>
+          <a:prstGeom prst="rect">
+            <a:avLst/>
+          </a:prstGeom>
+          <a:noFill/>
+        </p:spPr>
+        <p:txBody>
+          <a:bodyPr wrap="none" rtlCol="0">
+            <a:spAutoFit/>
+          </a:bodyPr>
+          <a:lstStyle/>
+          <a:p>
+            <a:r>
+              <a:rPr lang="sv-SE" sz="1100" i="1" dirty="0"/>
+              <a:t>Ditt liv i siffror </a:t>
+            </a:r>
+            <a:r>
+              <a:rPr lang="sv-SE" sz="1100" dirty="0"/>
+              <a:t>är ett hobbyprojekt skapat av William Lind. Senaste uppdateringen: ÅÅÅÅ-MM-DD</a:t>
+            </a:r>
+          </a:p>
+        </p:txBody>
+      </p:sp>
+      <p:sp>
+        <p:nvSpPr>
+          <p:cNvPr id="19" name="Rektangel 18">
+            <a:extLst>
+              <a:ext uri="{FF2B5EF4-FFF2-40B4-BE49-F238E27FC236}">
+                <a16:creationId xmlns:a16="http://schemas.microsoft.com/office/drawing/2014/main" id="{AF77F132-8C02-E81B-3C4E-FFAF0BA80232}"/>
+              </a:ext>
+            </a:extLst>
+          </p:cNvPr>
+          <p:cNvSpPr/>
+          <p:nvPr/>
+        </p:nvSpPr>
+        <p:spPr>
+          <a:xfrm>
+            <a:off x="1959134" y="1636776"/>
+            <a:ext cx="4136866" cy="1389888"/>
+          </a:xfrm>
+          <a:prstGeom prst="rect">
+            <a:avLst/>
+          </a:prstGeom>
+          <a:solidFill>
+            <a:schemeClr val="bg1"/>
+          </a:solidFill>
+        </p:spPr>
+        <p:style>
+          <a:lnRef idx="2">
+            <a:schemeClr val="accent1">
+              <a:shade val="15000"/>
+            </a:schemeClr>
+          </a:lnRef>
+          <a:fillRef idx="1">
+            <a:schemeClr val="accent1"/>
+          </a:fillRef>
+          <a:effectRef idx="0">
+            <a:schemeClr val="accent1"/>
+          </a:effectRef>
+          <a:fontRef idx="minor">
+            <a:schemeClr val="lt1"/>
+          </a:fontRef>
+        </p:style>
+        <p:txBody>
+          <a:bodyPr rtlCol="0" anchor="ctr"/>
+          <a:lstStyle/>
+          <a:p>
+            <a:pPr algn="ctr"/>
+            <a:r>
+              <a:rPr lang="sv-SE" dirty="0">
+                <a:solidFill>
+                  <a:schemeClr val="tx1"/>
+                </a:solidFill>
+              </a:rPr>
+              <a:t>Biometriska data</a:t>
+            </a:r>
+          </a:p>
+          <a:p>
+            <a:pPr algn="ctr"/>
+            <a:r>
+              <a:rPr lang="sv-SE" sz="1400" i="1" dirty="0">
+                <a:solidFill>
+                  <a:schemeClr val="tx1"/>
+                </a:solidFill>
+              </a:rPr>
+              <a:t>Du väger [ ], vilket placerar dig i den XX percentilen.</a:t>
+            </a:r>
+          </a:p>
+          <a:p>
+            <a:pPr algn="ctr"/>
+            <a:r>
+              <a:rPr lang="sv-SE" sz="1400" i="1" dirty="0">
+                <a:solidFill>
+                  <a:schemeClr val="tx1"/>
+                </a:solidFill>
+              </a:rPr>
+              <a:t>Jämfört med andra [kön] placeras du i den YY percentilen.</a:t>
+            </a:r>
+          </a:p>
+        </p:txBody>
+      </p:sp>
+      <p:sp>
+        <p:nvSpPr>
+          <p:cNvPr id="20" name="Rektangel 19">
+            <a:extLst>
+              <a:ext uri="{FF2B5EF4-FFF2-40B4-BE49-F238E27FC236}">
+                <a16:creationId xmlns:a16="http://schemas.microsoft.com/office/drawing/2014/main" id="{7FDFEE83-238E-5822-8C0E-21E10B9BBAE7}"/>
+              </a:ext>
+            </a:extLst>
+          </p:cNvPr>
+          <p:cNvSpPr/>
+          <p:nvPr/>
+        </p:nvSpPr>
+        <p:spPr>
+          <a:xfrm>
+            <a:off x="1954562" y="3191256"/>
+            <a:ext cx="4136866" cy="1389888"/>
+          </a:xfrm>
+          <a:prstGeom prst="rect">
+            <a:avLst/>
+          </a:prstGeom>
+          <a:solidFill>
+            <a:schemeClr val="bg1"/>
+          </a:solidFill>
+        </p:spPr>
+        <p:style>
+          <a:lnRef idx="2">
+            <a:schemeClr val="accent1">
+              <a:shade val="15000"/>
+            </a:schemeClr>
+          </a:lnRef>
+          <a:fillRef idx="1">
+            <a:schemeClr val="accent1"/>
+          </a:fillRef>
+          <a:effectRef idx="0">
+            <a:schemeClr val="accent1"/>
+          </a:effectRef>
+          <a:fontRef idx="minor">
+            <a:schemeClr val="lt1"/>
+          </a:fontRef>
+        </p:style>
+        <p:txBody>
+          <a:bodyPr rtlCol="0" anchor="ctr"/>
+          <a:lstStyle/>
+          <a:p>
+            <a:pPr algn="ctr"/>
+            <a:r>
+              <a:rPr lang="sv-SE" dirty="0">
+                <a:solidFill>
+                  <a:schemeClr val="tx1"/>
+                </a:solidFill>
+              </a:rPr>
+              <a:t>Kontinuerliga variabler</a:t>
+            </a:r>
+          </a:p>
+          <a:p>
+            <a:pPr algn="ctr"/>
+            <a:r>
+              <a:rPr lang="sv-SE" sz="1200" dirty="0">
+                <a:solidFill>
+                  <a:schemeClr val="tx1"/>
+                </a:solidFill>
+              </a:rPr>
+              <a:t>Du tjänar [ ] kronor/månaden, vilket placerar dig i den XX percentilen.</a:t>
+            </a:r>
+          </a:p>
+          <a:p>
+            <a:pPr algn="ctr"/>
+            <a:r>
+              <a:rPr lang="sv-SE" sz="1200" dirty="0">
+                <a:solidFill>
+                  <a:schemeClr val="tx1"/>
+                </a:solidFill>
+              </a:rPr>
+              <a:t>Jämfört med andra [kön] placeras du i den YY percentilen.</a:t>
+            </a:r>
+          </a:p>
+          <a:p>
+            <a:pPr algn="ctr"/>
+            <a:r>
+              <a:rPr lang="sv-SE" sz="1200" dirty="0">
+                <a:solidFill>
+                  <a:schemeClr val="tx1"/>
+                </a:solidFill>
+              </a:rPr>
+              <a:t>Jämfört med personer i samma åldersgrupp [åldersgrupp] placeras du i den ZZ percentilen.</a:t>
+            </a:r>
+          </a:p>
+        </p:txBody>
+      </p:sp>
+      <p:sp>
+        <p:nvSpPr>
+          <p:cNvPr id="23" name="Rektangel 22">
+            <a:extLst>
+              <a:ext uri="{FF2B5EF4-FFF2-40B4-BE49-F238E27FC236}">
+                <a16:creationId xmlns:a16="http://schemas.microsoft.com/office/drawing/2014/main" id="{C18D9D60-F926-4CAB-EAB6-561160811799}"/>
+              </a:ext>
+            </a:extLst>
+          </p:cNvPr>
+          <p:cNvSpPr/>
+          <p:nvPr/>
+        </p:nvSpPr>
+        <p:spPr>
+          <a:xfrm>
+            <a:off x="1954562" y="4736592"/>
+            <a:ext cx="4136866" cy="1389888"/>
+          </a:xfrm>
+          <a:prstGeom prst="rect">
+            <a:avLst/>
+          </a:prstGeom>
+          <a:solidFill>
+            <a:schemeClr val="bg1"/>
+          </a:solidFill>
+        </p:spPr>
+        <p:style>
+          <a:lnRef idx="2">
+            <a:schemeClr val="accent1">
+              <a:shade val="15000"/>
+            </a:schemeClr>
+          </a:lnRef>
+          <a:fillRef idx="1">
+            <a:schemeClr val="accent1"/>
+          </a:fillRef>
+          <a:effectRef idx="0">
+            <a:schemeClr val="accent1"/>
+          </a:effectRef>
+          <a:fontRef idx="minor">
+            <a:schemeClr val="lt1"/>
+          </a:fontRef>
+        </p:style>
+        <p:txBody>
+          <a:bodyPr rtlCol="0" anchor="ctr"/>
+          <a:lstStyle/>
+          <a:p>
+            <a:pPr algn="ctr"/>
+            <a:r>
+              <a:rPr lang="sv-SE" dirty="0">
+                <a:solidFill>
+                  <a:schemeClr val="tx1"/>
+                </a:solidFill>
+              </a:rPr>
+              <a:t>”Milstolpar” (Ja/Nej)</a:t>
+            </a:r>
+          </a:p>
+          <a:p>
+            <a:pPr algn="ctr"/>
+            <a:r>
+              <a:rPr lang="sv-SE" sz="1100" i="1" dirty="0">
+                <a:solidFill>
+                  <a:schemeClr val="tx1"/>
+                </a:solidFill>
+              </a:rPr>
+              <a:t>Du har barn. Det placerar dig i samma kategori som XX % av befolkningen.</a:t>
+            </a:r>
+          </a:p>
+          <a:p>
+            <a:pPr algn="ctr"/>
+            <a:r>
+              <a:rPr lang="sv-SE" sz="1100" i="1" dirty="0">
+                <a:solidFill>
+                  <a:schemeClr val="tx1"/>
+                </a:solidFill>
+              </a:rPr>
+              <a:t>Jämfört med andra [kön] placeras du i samma kategori som YY % av befolkningen.</a:t>
+            </a:r>
+          </a:p>
+          <a:p>
+            <a:pPr algn="ctr"/>
+            <a:r>
+              <a:rPr lang="sv-SE" sz="1100" i="1" dirty="0">
+                <a:solidFill>
+                  <a:schemeClr val="tx1"/>
+                </a:solidFill>
+              </a:rPr>
+              <a:t>Jämfört med personer i din åldersgrupp [åldersgrupp] placeras du i samma kategori som ZZ% av befolkningen.</a:t>
+            </a:r>
+          </a:p>
+        </p:txBody>
+      </p:sp>
+      <p:grpSp>
+        <p:nvGrpSpPr>
+          <p:cNvPr id="40" name="Grupp 39">
+            <a:extLst>
+              <a:ext uri="{FF2B5EF4-FFF2-40B4-BE49-F238E27FC236}">
+                <a16:creationId xmlns:a16="http://schemas.microsoft.com/office/drawing/2014/main" id="{966B8487-058C-70F2-BD85-6E8C4E6588B4}"/>
+              </a:ext>
+            </a:extLst>
+          </p:cNvPr>
+          <p:cNvGrpSpPr/>
+          <p:nvPr/>
+        </p:nvGrpSpPr>
+        <p:grpSpPr>
+          <a:xfrm>
+            <a:off x="6685392" y="1760939"/>
+            <a:ext cx="2321448" cy="1017256"/>
+            <a:chOff x="6685392" y="1691703"/>
+            <a:chExt cx="2321448" cy="1017256"/>
+          </a:xfrm>
+        </p:grpSpPr>
+        <p:pic>
+          <p:nvPicPr>
+            <p:cNvPr id="11" name="Picture 4" descr="Distribution Chart Icon Clipart Normal Distribution - Normal Icon PNG ...">
+              <a:extLst>
+                <a:ext uri="{FF2B5EF4-FFF2-40B4-BE49-F238E27FC236}">
+                  <a16:creationId xmlns:a16="http://schemas.microsoft.com/office/drawing/2014/main" id="{34AC5FAC-2938-CE14-E2AC-9F532B37939F}"/>
+                </a:ext>
+              </a:extLst>
+            </p:cNvPr>
+            <p:cNvPicPr>
+              <a:picLocks noChangeAspect="1" noChangeArrowheads="1"/>
+            </p:cNvPicPr>
+            <p:nvPr/>
+          </p:nvPicPr>
+          <p:blipFill>
+            <a:blip r:embed="rId2">
+              <a:extLst>
+                <a:ext uri="{28A0092B-C50C-407E-A947-70E740481C1C}">
+                  <a14:useLocalDpi xmlns:a14="http://schemas.microsoft.com/office/drawing/2010/main" val="0"/>
+                </a:ext>
+              </a:extLst>
+            </a:blip>
+            <a:srcRect/>
+            <a:stretch>
+              <a:fillRect/>
+            </a:stretch>
+          </p:blipFill>
+          <p:spPr bwMode="auto">
+            <a:xfrm>
+              <a:off x="6685392" y="1953313"/>
+              <a:ext cx="2321448" cy="755646"/>
+            </a:xfrm>
+            <a:prstGeom prst="rect">
+              <a:avLst/>
+            </a:prstGeom>
+            <a:noFill/>
+            <a:extLst>
+              <a:ext uri="{909E8E84-426E-40DD-AFC4-6F175D3DCCD1}">
+                <a14:hiddenFill xmlns:a14="http://schemas.microsoft.com/office/drawing/2010/main">
+                  <a:solidFill>
+                    <a:srgbClr val="FFFFFF"/>
+                  </a:solidFill>
+                </a14:hiddenFill>
+              </a:ext>
+            </a:extLst>
+          </p:spPr>
+        </p:pic>
+        <p:cxnSp>
+          <p:nvCxnSpPr>
+            <p:cNvPr id="28" name="Rak koppling 27">
+              <a:extLst>
+                <a:ext uri="{FF2B5EF4-FFF2-40B4-BE49-F238E27FC236}">
+                  <a16:creationId xmlns:a16="http://schemas.microsoft.com/office/drawing/2014/main" id="{C4EC1127-B59B-BD3C-9CE6-3DE99E0A2F4C}"/>
+                </a:ext>
+              </a:extLst>
+            </p:cNvPr>
+            <p:cNvCxnSpPr/>
+            <p:nvPr/>
+          </p:nvCxnSpPr>
+          <p:spPr>
+            <a:xfrm>
+              <a:off x="8174736" y="1953313"/>
+              <a:ext cx="0" cy="680159"/>
+            </a:xfrm>
+            <a:prstGeom prst="line">
+              <a:avLst/>
+            </a:prstGeom>
+          </p:spPr>
+          <p:style>
+            <a:lnRef idx="2">
+              <a:schemeClr val="accent2"/>
+            </a:lnRef>
+            <a:fillRef idx="0">
+              <a:schemeClr val="accent2"/>
+            </a:fillRef>
+            <a:effectRef idx="1">
+              <a:schemeClr val="accent2"/>
+            </a:effectRef>
+            <a:fontRef idx="minor">
+              <a:schemeClr val="tx1"/>
+            </a:fontRef>
+          </p:style>
+        </p:cxnSp>
+        <p:sp>
+          <p:nvSpPr>
+            <p:cNvPr id="30" name="textruta 29">
+              <a:extLst>
+                <a:ext uri="{FF2B5EF4-FFF2-40B4-BE49-F238E27FC236}">
+                  <a16:creationId xmlns:a16="http://schemas.microsoft.com/office/drawing/2014/main" id="{1EF03568-632F-D0F3-8A40-81DD947B885C}"/>
+                </a:ext>
+              </a:extLst>
+            </p:cNvPr>
+            <p:cNvSpPr txBox="1"/>
+            <p:nvPr/>
+          </p:nvSpPr>
+          <p:spPr>
+            <a:xfrm>
+              <a:off x="8065008" y="1691703"/>
+              <a:ext cx="739305" cy="261610"/>
+            </a:xfrm>
+            <a:prstGeom prst="rect">
+              <a:avLst/>
+            </a:prstGeom>
+            <a:noFill/>
+          </p:spPr>
+          <p:txBody>
+            <a:bodyPr wrap="none" rtlCol="0">
+              <a:spAutoFit/>
+            </a:bodyPr>
+            <a:lstStyle/>
+            <a:p>
+              <a:r>
+                <a:rPr lang="sv-SE" sz="1100" dirty="0">
+                  <a:solidFill>
+                    <a:schemeClr val="accent2"/>
+                  </a:solidFill>
+                </a:rPr>
+                <a:t>Du är här</a:t>
+              </a:r>
+            </a:p>
+          </p:txBody>
+        </p:sp>
+      </p:grpSp>
+      <p:grpSp>
+        <p:nvGrpSpPr>
+          <p:cNvPr id="41" name="Grupp 40">
+            <a:extLst>
+              <a:ext uri="{FF2B5EF4-FFF2-40B4-BE49-F238E27FC236}">
+                <a16:creationId xmlns:a16="http://schemas.microsoft.com/office/drawing/2014/main" id="{2615F86F-9C75-0532-232E-9958502C68F5}"/>
+              </a:ext>
+            </a:extLst>
+          </p:cNvPr>
+          <p:cNvGrpSpPr/>
+          <p:nvPr/>
+        </p:nvGrpSpPr>
+        <p:grpSpPr>
+          <a:xfrm>
+            <a:off x="6685392" y="3288855"/>
+            <a:ext cx="2321448" cy="1017256"/>
+            <a:chOff x="6685392" y="3288855"/>
+            <a:chExt cx="2321448" cy="1017256"/>
+          </a:xfrm>
+        </p:grpSpPr>
+        <p:pic>
+          <p:nvPicPr>
+            <p:cNvPr id="33" name="Picture 4" descr="Distribution Chart Icon Clipart Normal Distribution - Normal Icon PNG ...">
+              <a:extLst>
+                <a:ext uri="{FF2B5EF4-FFF2-40B4-BE49-F238E27FC236}">
+                  <a16:creationId xmlns:a16="http://schemas.microsoft.com/office/drawing/2014/main" id="{3FD6CC50-E7AE-34EB-F689-990A5E3B3592}"/>
+                </a:ext>
+              </a:extLst>
+            </p:cNvPr>
+            <p:cNvPicPr>
+              <a:picLocks noChangeAspect="1" noChangeArrowheads="1"/>
+            </p:cNvPicPr>
+            <p:nvPr/>
+          </p:nvPicPr>
+          <p:blipFill>
+            <a:blip r:embed="rId2">
+              <a:extLst>
+                <a:ext uri="{28A0092B-C50C-407E-A947-70E740481C1C}">
+                  <a14:useLocalDpi xmlns:a14="http://schemas.microsoft.com/office/drawing/2010/main" val="0"/>
+                </a:ext>
+              </a:extLst>
+            </a:blip>
+            <a:srcRect/>
+            <a:stretch>
+              <a:fillRect/>
+            </a:stretch>
+          </p:blipFill>
+          <p:spPr bwMode="auto">
+            <a:xfrm>
+              <a:off x="6685392" y="3550465"/>
+              <a:ext cx="2321448" cy="755646"/>
+            </a:xfrm>
+            <a:prstGeom prst="rect">
+              <a:avLst/>
+            </a:prstGeom>
+            <a:noFill/>
+            <a:extLst>
+              <a:ext uri="{909E8E84-426E-40DD-AFC4-6F175D3DCCD1}">
+                <a14:hiddenFill xmlns:a14="http://schemas.microsoft.com/office/drawing/2010/main">
+                  <a:solidFill>
+                    <a:srgbClr val="FFFFFF"/>
+                  </a:solidFill>
+                </a14:hiddenFill>
+              </a:ext>
+            </a:extLst>
+          </p:spPr>
+        </p:pic>
+        <p:cxnSp>
+          <p:nvCxnSpPr>
+            <p:cNvPr id="38" name="Rak koppling 37">
+              <a:extLst>
+                <a:ext uri="{FF2B5EF4-FFF2-40B4-BE49-F238E27FC236}">
+                  <a16:creationId xmlns:a16="http://schemas.microsoft.com/office/drawing/2014/main" id="{A21DA7FB-93DC-647D-91E8-C92F7D299F61}"/>
+                </a:ext>
+              </a:extLst>
+            </p:cNvPr>
+            <p:cNvCxnSpPr/>
+            <p:nvPr/>
+          </p:nvCxnSpPr>
+          <p:spPr>
+            <a:xfrm>
+              <a:off x="7845552" y="3550465"/>
+              <a:ext cx="0" cy="680159"/>
+            </a:xfrm>
+            <a:prstGeom prst="line">
+              <a:avLst/>
+            </a:prstGeom>
+          </p:spPr>
+          <p:style>
+            <a:lnRef idx="2">
+              <a:schemeClr val="accent2"/>
+            </a:lnRef>
+            <a:fillRef idx="0">
+              <a:schemeClr val="accent2"/>
+            </a:fillRef>
+            <a:effectRef idx="1">
+              <a:schemeClr val="accent2"/>
+            </a:effectRef>
+            <a:fontRef idx="minor">
+              <a:schemeClr val="tx1"/>
+            </a:fontRef>
+          </p:style>
+        </p:cxnSp>
+        <p:sp>
+          <p:nvSpPr>
+            <p:cNvPr id="39" name="textruta 38">
+              <a:extLst>
+                <a:ext uri="{FF2B5EF4-FFF2-40B4-BE49-F238E27FC236}">
+                  <a16:creationId xmlns:a16="http://schemas.microsoft.com/office/drawing/2014/main" id="{5C219A66-5872-2A5B-1403-5C252793179D}"/>
+                </a:ext>
+              </a:extLst>
+            </p:cNvPr>
+            <p:cNvSpPr txBox="1"/>
+            <p:nvPr/>
+          </p:nvSpPr>
+          <p:spPr>
+            <a:xfrm>
+              <a:off x="7735824" y="3288855"/>
+              <a:ext cx="739305" cy="261610"/>
+            </a:xfrm>
+            <a:prstGeom prst="rect">
+              <a:avLst/>
+            </a:prstGeom>
+            <a:noFill/>
+          </p:spPr>
+          <p:txBody>
+            <a:bodyPr wrap="none" rtlCol="0">
+              <a:spAutoFit/>
+            </a:bodyPr>
+            <a:lstStyle/>
+            <a:p>
+              <a:r>
+                <a:rPr lang="sv-SE" sz="1100" dirty="0">
+                  <a:solidFill>
+                    <a:schemeClr val="accent2"/>
+                  </a:solidFill>
+                </a:rPr>
+                <a:t>Du är här</a:t>
+              </a:r>
+            </a:p>
+          </p:txBody>
+        </p:sp>
+      </p:grpSp>
+      <p:sp>
+        <p:nvSpPr>
+          <p:cNvPr id="42" name="Rektangel 41">
+            <a:extLst>
+              <a:ext uri="{FF2B5EF4-FFF2-40B4-BE49-F238E27FC236}">
+                <a16:creationId xmlns:a16="http://schemas.microsoft.com/office/drawing/2014/main" id="{C3417002-F6D7-CC3D-E712-6CE6ECC492D3}"/>
+              </a:ext>
+            </a:extLst>
+          </p:cNvPr>
+          <p:cNvSpPr/>
+          <p:nvPr/>
+        </p:nvSpPr>
+        <p:spPr>
+          <a:xfrm>
+            <a:off x="6685392" y="5097780"/>
+            <a:ext cx="2321448" cy="667512"/>
+          </a:xfrm>
+          <a:prstGeom prst="rect">
+            <a:avLst/>
+          </a:prstGeom>
+          <a:solidFill>
+            <a:schemeClr val="bg1"/>
+          </a:solidFill>
+        </p:spPr>
+        <p:style>
+          <a:lnRef idx="2">
+            <a:schemeClr val="dk1">
+              <a:shade val="15000"/>
+            </a:schemeClr>
+          </a:lnRef>
+          <a:fillRef idx="1">
+            <a:schemeClr val="dk1"/>
+          </a:fillRef>
+          <a:effectRef idx="0">
+            <a:schemeClr val="dk1"/>
+          </a:effectRef>
+          <a:fontRef idx="minor">
+            <a:schemeClr val="lt1"/>
+          </a:fontRef>
+        </p:style>
+        <p:txBody>
+          <a:bodyPr rtlCol="0" anchor="ctr"/>
+          <a:lstStyle/>
+          <a:p>
+            <a:pPr algn="ctr"/>
+            <a:endParaRPr lang="sv-SE"/>
+          </a:p>
+        </p:txBody>
+      </p:sp>
+      <p:sp>
+        <p:nvSpPr>
+          <p:cNvPr id="43" name="Rektangel 42">
+            <a:extLst>
+              <a:ext uri="{FF2B5EF4-FFF2-40B4-BE49-F238E27FC236}">
+                <a16:creationId xmlns:a16="http://schemas.microsoft.com/office/drawing/2014/main" id="{663F2AE1-6C3E-35D6-C825-D25BD9B10E8C}"/>
+              </a:ext>
+            </a:extLst>
+          </p:cNvPr>
+          <p:cNvSpPr/>
+          <p:nvPr/>
+        </p:nvSpPr>
+        <p:spPr>
+          <a:xfrm>
+            <a:off x="6685392" y="5102352"/>
+            <a:ext cx="1489344" cy="667512"/>
+          </a:xfrm>
+          <a:prstGeom prst="rect">
+            <a:avLst/>
+          </a:prstGeom>
+          <a:ln>
+            <a:noFill/>
+          </a:ln>
+        </p:spPr>
+        <p:style>
+          <a:lnRef idx="2">
+            <a:schemeClr val="accent2">
+              <a:shade val="15000"/>
+            </a:schemeClr>
+          </a:lnRef>
+          <a:fillRef idx="1">
+            <a:schemeClr val="accent2"/>
+          </a:fillRef>
+          <a:effectRef idx="0">
+            <a:schemeClr val="accent2"/>
+          </a:effectRef>
+          <a:fontRef idx="minor">
+            <a:schemeClr val="lt1"/>
+          </a:fontRef>
+        </p:style>
+        <p:txBody>
+          <a:bodyPr rtlCol="0" anchor="ctr"/>
+          <a:lstStyle/>
+          <a:p>
+            <a:pPr algn="ctr"/>
+            <a:endParaRPr lang="sv-SE"/>
+          </a:p>
+        </p:txBody>
+      </p:sp>
+      <p:sp>
+        <p:nvSpPr>
+          <p:cNvPr id="44" name="textruta 43">
+            <a:extLst>
+              <a:ext uri="{FF2B5EF4-FFF2-40B4-BE49-F238E27FC236}">
+                <a16:creationId xmlns:a16="http://schemas.microsoft.com/office/drawing/2014/main" id="{E88C4CFA-B5EB-2700-73BF-E3D1B1C30BB5}"/>
+              </a:ext>
+            </a:extLst>
+          </p:cNvPr>
+          <p:cNvSpPr txBox="1"/>
+          <p:nvPr/>
+        </p:nvSpPr>
+        <p:spPr>
+          <a:xfrm>
+            <a:off x="6482452" y="4840742"/>
+            <a:ext cx="405880" cy="261610"/>
+          </a:xfrm>
+          <a:prstGeom prst="rect">
+            <a:avLst/>
+          </a:prstGeom>
+          <a:noFill/>
+        </p:spPr>
+        <p:txBody>
+          <a:bodyPr wrap="none" rtlCol="0">
+            <a:spAutoFit/>
+          </a:bodyPr>
+          <a:lstStyle/>
+          <a:p>
+            <a:r>
+              <a:rPr lang="sv-SE" sz="1100" dirty="0">
+                <a:solidFill>
+                  <a:schemeClr val="accent2"/>
+                </a:solidFill>
+              </a:rPr>
+              <a:t>0 %</a:t>
+            </a:r>
+          </a:p>
+        </p:txBody>
+      </p:sp>
+      <p:sp>
+        <p:nvSpPr>
+          <p:cNvPr id="45" name="textruta 44">
+            <a:extLst>
+              <a:ext uri="{FF2B5EF4-FFF2-40B4-BE49-F238E27FC236}">
+                <a16:creationId xmlns:a16="http://schemas.microsoft.com/office/drawing/2014/main" id="{81CA9BB5-4F4F-9B83-EC1C-DB1817A03769}"/>
+              </a:ext>
+            </a:extLst>
+          </p:cNvPr>
+          <p:cNvSpPr txBox="1"/>
+          <p:nvPr/>
+        </p:nvSpPr>
+        <p:spPr>
+          <a:xfrm>
+            <a:off x="7605505" y="4851166"/>
+            <a:ext cx="481222" cy="261610"/>
+          </a:xfrm>
+          <a:prstGeom prst="rect">
+            <a:avLst/>
+          </a:prstGeom>
+          <a:noFill/>
+        </p:spPr>
+        <p:txBody>
+          <a:bodyPr wrap="none" rtlCol="0">
+            <a:spAutoFit/>
+          </a:bodyPr>
+          <a:lstStyle/>
+          <a:p>
+            <a:r>
+              <a:rPr lang="sv-SE" sz="1100" dirty="0">
+                <a:solidFill>
+                  <a:schemeClr val="accent2"/>
+                </a:solidFill>
+              </a:rPr>
+              <a:t>50 %</a:t>
+            </a:r>
+          </a:p>
+        </p:txBody>
+      </p:sp>
+      <p:cxnSp>
+        <p:nvCxnSpPr>
+          <p:cNvPr id="47" name="Rak koppling 46">
+            <a:extLst>
+              <a:ext uri="{FF2B5EF4-FFF2-40B4-BE49-F238E27FC236}">
+                <a16:creationId xmlns:a16="http://schemas.microsoft.com/office/drawing/2014/main" id="{36173B1B-7493-156C-55FE-FA971CBAC854}"/>
+              </a:ext>
+            </a:extLst>
+          </p:cNvPr>
+          <p:cNvCxnSpPr/>
+          <p:nvPr/>
+        </p:nvCxnSpPr>
+        <p:spPr>
+          <a:xfrm>
+            <a:off x="7845552" y="5112776"/>
+            <a:ext cx="0" cy="652516"/>
+          </a:xfrm>
+          <a:prstGeom prst="line">
+            <a:avLst/>
+          </a:prstGeom>
+        </p:spPr>
+        <p:style>
+          <a:lnRef idx="2">
+            <a:schemeClr val="dk1"/>
+          </a:lnRef>
+          <a:fillRef idx="0">
+            <a:schemeClr val="dk1"/>
+          </a:fillRef>
+          <a:effectRef idx="1">
+            <a:schemeClr val="dk1"/>
+          </a:effectRef>
+          <a:fontRef idx="minor">
+            <a:schemeClr val="tx1"/>
+          </a:fontRef>
+        </p:style>
+      </p:cxnSp>
+      <p:sp>
+        <p:nvSpPr>
+          <p:cNvPr id="48" name="textruta 47">
+            <a:extLst>
+              <a:ext uri="{FF2B5EF4-FFF2-40B4-BE49-F238E27FC236}">
+                <a16:creationId xmlns:a16="http://schemas.microsoft.com/office/drawing/2014/main" id="{F2E373F9-1171-8E53-EC1D-7C3DEDC17878}"/>
+              </a:ext>
+            </a:extLst>
+          </p:cNvPr>
+          <p:cNvSpPr txBox="1"/>
+          <p:nvPr/>
+        </p:nvSpPr>
+        <p:spPr>
+          <a:xfrm>
+            <a:off x="8728558" y="4838456"/>
+            <a:ext cx="556563" cy="261610"/>
+          </a:xfrm>
+          <a:prstGeom prst="rect">
+            <a:avLst/>
+          </a:prstGeom>
+          <a:noFill/>
+        </p:spPr>
+        <p:txBody>
+          <a:bodyPr wrap="none" rtlCol="0">
+            <a:spAutoFit/>
+          </a:bodyPr>
+          <a:lstStyle/>
+          <a:p>
+            <a:r>
+              <a:rPr lang="sv-SE" sz="1100" dirty="0">
+                <a:solidFill>
+                  <a:schemeClr val="accent2"/>
+                </a:solidFill>
+              </a:rPr>
+              <a:t>100 %</a:t>
+            </a:r>
+          </a:p>
+        </p:txBody>
+      </p:sp>
+      <p:sp>
+        <p:nvSpPr>
+          <p:cNvPr id="49" name="textruta 48">
+            <a:extLst>
+              <a:ext uri="{FF2B5EF4-FFF2-40B4-BE49-F238E27FC236}">
+                <a16:creationId xmlns:a16="http://schemas.microsoft.com/office/drawing/2014/main" id="{5E3C3BB0-32E3-093C-5B94-30D4D8F440E0}"/>
+              </a:ext>
+            </a:extLst>
+          </p:cNvPr>
+          <p:cNvSpPr txBox="1"/>
+          <p:nvPr/>
+        </p:nvSpPr>
+        <p:spPr>
+          <a:xfrm>
+            <a:off x="6730709" y="4521148"/>
+            <a:ext cx="1107761" cy="430887"/>
+          </a:xfrm>
+          <a:prstGeom prst="rect">
+            <a:avLst/>
+          </a:prstGeom>
+          <a:noFill/>
+        </p:spPr>
+        <p:txBody>
+          <a:bodyPr wrap="square" rtlCol="0">
+            <a:spAutoFit/>
+          </a:bodyPr>
+          <a:lstStyle/>
+          <a:p>
+            <a:pPr algn="ctr"/>
+            <a:r>
+              <a:rPr lang="sv-SE" sz="1100" dirty="0">
+                <a:solidFill>
+                  <a:schemeClr val="accent2"/>
+                </a:solidFill>
+              </a:rPr>
+              <a:t>Du tillhör </a:t>
+            </a:r>
+            <a:br>
+              <a:rPr lang="sv-SE" sz="1100" dirty="0">
+                <a:solidFill>
+                  <a:schemeClr val="accent2"/>
+                </a:solidFill>
+              </a:rPr>
+            </a:br>
+            <a:r>
+              <a:rPr lang="sv-SE" sz="1100" dirty="0">
+                <a:solidFill>
+                  <a:schemeClr val="accent2"/>
+                </a:solidFill>
+              </a:rPr>
+              <a:t>denna andel</a:t>
+            </a:r>
+          </a:p>
+        </p:txBody>
+      </p:sp>
+    </p:spTree>
+    <p:extLst>
+      <p:ext uri="{BB962C8B-B14F-4D97-AF65-F5344CB8AC3E}">
+        <p14:creationId xmlns:p14="http://schemas.microsoft.com/office/powerpoint/2010/main" val="3808009464"/>
+      </p:ext>
+    </p:extLst>
+  </p:cSld>
+  <p:clrMapOvr>
+    <a:masterClrMapping/>
+  </p:clrMapOvr>
+</p:sld>
+</file>
+
+<file path=ppt/slides/slide4.xml><?xml version="1.0" encoding="utf-8"?>
 <p:sld xmlns:a="http://schemas.openxmlformats.org/drawingml/2006/main" xmlns:r="http://schemas.openxmlformats.org/officeDocument/2006/relationships" xmlns:p="http://schemas.openxmlformats.org/presentationml/2006/main">
   <p:cSld>
     <p:spTree>
@@ -4643,53 +7266,6 @@
           </a:p>
         </p:txBody>
       </p:sp>
-      <p:pic>
-        <p:nvPicPr>
-          <p:cNvPr id="1028" name="Picture 4" descr="Distribution Chart Icon Clipart Normal Distribution - Normal Icon PNG ...">
-            <a:extLst>
-              <a:ext uri="{FF2B5EF4-FFF2-40B4-BE49-F238E27FC236}">
-                <a16:creationId xmlns:a16="http://schemas.microsoft.com/office/drawing/2014/main" id="{02EDC31D-F0C2-0F5B-FBCE-9C79F15869D0}"/>
-              </a:ext>
-            </a:extLst>
-          </p:cNvPr>
-          <p:cNvPicPr>
-            <a:picLocks noChangeAspect="1" noChangeArrowheads="1"/>
-          </p:cNvPicPr>
-          <p:nvPr/>
-        </p:nvPicPr>
-        <p:blipFill>
-          <a:blip r:embed="rId2">
-            <a:extLst>
-              <a:ext uri="{28A0092B-C50C-407E-A947-70E740481C1C}">
-                <a14:useLocalDpi xmlns:a14="http://schemas.microsoft.com/office/drawing/2010/main" val="0"/>
-              </a:ext>
-            </a:extLst>
-          </a:blip>
-          <a:srcRect/>
-          <a:stretch>
-            <a:fillRect/>
-          </a:stretch>
-        </p:blipFill>
-        <p:spPr bwMode="auto">
-          <a:xfrm>
-            <a:off x="827789" y="429081"/>
-            <a:ext cx="758173" cy="755646"/>
-          </a:xfrm>
-          <a:prstGeom prst="rect">
-            <a:avLst/>
-          </a:prstGeom>
-          <a:noFill/>
-          <a:extLst>
-            <a:ext uri="{909E8E84-426E-40DD-AFC4-6F175D3DCCD1}">
-              <a14:hiddenFill xmlns:a14="http://schemas.microsoft.com/office/drawing/2010/main">
-                <a:solidFill>
-                  <a:srgbClr val="FFFFFF"/>
-                </a:solidFill>
-              </a14:hiddenFill>
-            </a:ext>
-          </a:extLst>
-        </p:spPr>
-      </p:pic>
       <p:grpSp>
         <p:nvGrpSpPr>
           <p:cNvPr id="6" name="Grupp 5">
@@ -4890,6 +7466,287 @@
           </a:p>
         </p:txBody>
       </p:sp>
+      <p:pic>
+        <p:nvPicPr>
+          <p:cNvPr id="9" name="Picture 4" descr="Distribution Chart Icon Clipart Normal Distribution - Normal Icon PNG ...">
+            <a:extLst>
+              <a:ext uri="{FF2B5EF4-FFF2-40B4-BE49-F238E27FC236}">
+                <a16:creationId xmlns:a16="http://schemas.microsoft.com/office/drawing/2014/main" id="{E0A744D3-FC81-D9C0-E5DE-66E796E5DE8E}"/>
+              </a:ext>
+            </a:extLst>
+          </p:cNvPr>
+          <p:cNvPicPr>
+            <a:picLocks noChangeAspect="1" noChangeArrowheads="1"/>
+          </p:cNvPicPr>
+          <p:nvPr/>
+        </p:nvPicPr>
+        <p:blipFill>
+          <a:blip r:embed="rId2">
+            <a:extLst>
+              <a:ext uri="{28A0092B-C50C-407E-A947-70E740481C1C}">
+                <a14:useLocalDpi xmlns:a14="http://schemas.microsoft.com/office/drawing/2010/main" val="0"/>
+              </a:ext>
+            </a:extLst>
+          </a:blip>
+          <a:srcRect/>
+          <a:stretch>
+            <a:fillRect/>
+          </a:stretch>
+        </p:blipFill>
+        <p:spPr bwMode="auto">
+          <a:xfrm>
+            <a:off x="521208" y="514516"/>
+            <a:ext cx="1225296" cy="584775"/>
+          </a:xfrm>
+          <a:prstGeom prst="rect">
+            <a:avLst/>
+          </a:prstGeom>
+          <a:noFill/>
+          <a:extLst>
+            <a:ext uri="{909E8E84-426E-40DD-AFC4-6F175D3DCCD1}">
+              <a14:hiddenFill xmlns:a14="http://schemas.microsoft.com/office/drawing/2010/main">
+                <a:solidFill>
+                  <a:srgbClr val="FFFFFF"/>
+                </a:solidFill>
+              </a14:hiddenFill>
+            </a:ext>
+          </a:extLst>
+        </p:spPr>
+      </p:pic>
+      <p:grpSp>
+        <p:nvGrpSpPr>
+          <p:cNvPr id="11" name="Grupp 10">
+            <a:extLst>
+              <a:ext uri="{FF2B5EF4-FFF2-40B4-BE49-F238E27FC236}">
+                <a16:creationId xmlns:a16="http://schemas.microsoft.com/office/drawing/2014/main" id="{B8E8ED9C-CED4-9747-B332-640895D4F085}"/>
+              </a:ext>
+            </a:extLst>
+          </p:cNvPr>
+          <p:cNvGrpSpPr/>
+          <p:nvPr/>
+        </p:nvGrpSpPr>
+        <p:grpSpPr>
+          <a:xfrm>
+            <a:off x="1286256" y="3646276"/>
+            <a:ext cx="6138540" cy="1292661"/>
+            <a:chOff x="381849" y="1994631"/>
+            <a:chExt cx="6138540" cy="1292661"/>
+          </a:xfrm>
+        </p:grpSpPr>
+        <p:sp>
+          <p:nvSpPr>
+            <p:cNvPr id="12" name="textruta 11">
+              <a:extLst>
+                <a:ext uri="{FF2B5EF4-FFF2-40B4-BE49-F238E27FC236}">
+                  <a16:creationId xmlns:a16="http://schemas.microsoft.com/office/drawing/2014/main" id="{0DC9E0E5-3D31-1C60-ECE0-1D9244EB8C76}"/>
+                </a:ext>
+              </a:extLst>
+            </p:cNvPr>
+            <p:cNvSpPr txBox="1"/>
+            <p:nvPr/>
+          </p:nvSpPr>
+          <p:spPr>
+            <a:xfrm>
+              <a:off x="381849" y="1994631"/>
+              <a:ext cx="5868120" cy="338554"/>
+            </a:xfrm>
+            <a:prstGeom prst="rect">
+              <a:avLst/>
+            </a:prstGeom>
+            <a:noFill/>
+          </p:spPr>
+          <p:txBody>
+            <a:bodyPr wrap="square" rtlCol="0">
+              <a:spAutoFit/>
+            </a:bodyPr>
+            <a:lstStyle/>
+            <a:p>
+              <a:r>
+                <a:rPr lang="sv-SE" sz="1600" b="1" dirty="0"/>
+                <a:t>Hur görs analysen?</a:t>
+              </a:r>
+            </a:p>
+          </p:txBody>
+        </p:sp>
+        <p:sp>
+          <p:nvSpPr>
+            <p:cNvPr id="13" name="textruta 12">
+              <a:extLst>
+                <a:ext uri="{FF2B5EF4-FFF2-40B4-BE49-F238E27FC236}">
+                  <a16:creationId xmlns:a16="http://schemas.microsoft.com/office/drawing/2014/main" id="{991E2AA1-BF50-84EE-CB85-5D31E995A812}"/>
+                </a:ext>
+              </a:extLst>
+            </p:cNvPr>
+            <p:cNvSpPr txBox="1"/>
+            <p:nvPr/>
+          </p:nvSpPr>
+          <p:spPr>
+            <a:xfrm>
+              <a:off x="381849" y="2333185"/>
+              <a:ext cx="6138540" cy="954107"/>
+            </a:xfrm>
+            <a:prstGeom prst="rect">
+              <a:avLst/>
+            </a:prstGeom>
+            <a:noFill/>
+          </p:spPr>
+          <p:txBody>
+            <a:bodyPr wrap="none" rtlCol="0">
+              <a:spAutoFit/>
+            </a:bodyPr>
+            <a:lstStyle/>
+            <a:p>
+              <a:r>
+                <a:rPr lang="sv-SE" sz="1400" dirty="0"/>
+                <a:t>Text som förklarar de metoder som används och de överväganden som gjorts.</a:t>
+              </a:r>
+            </a:p>
+            <a:p>
+              <a:r>
+                <a:rPr lang="sv-SE" sz="1400" dirty="0"/>
+                <a:t>-..-</a:t>
+              </a:r>
+            </a:p>
+            <a:p>
+              <a:r>
+                <a:rPr lang="sv-SE" sz="1400" dirty="0"/>
+                <a:t>-..-</a:t>
+              </a:r>
+            </a:p>
+            <a:p>
+              <a:r>
+                <a:rPr lang="sv-SE" sz="1400" dirty="0"/>
+                <a:t>-..-</a:t>
+              </a:r>
+            </a:p>
+          </p:txBody>
+        </p:sp>
+      </p:grpSp>
+      <p:grpSp>
+        <p:nvGrpSpPr>
+          <p:cNvPr id="14" name="Grupp 13">
+            <a:extLst>
+              <a:ext uri="{FF2B5EF4-FFF2-40B4-BE49-F238E27FC236}">
+                <a16:creationId xmlns:a16="http://schemas.microsoft.com/office/drawing/2014/main" id="{1188DC1B-AF46-8FDD-0EE6-46F4E0576455}"/>
+              </a:ext>
+            </a:extLst>
+          </p:cNvPr>
+          <p:cNvGrpSpPr/>
+          <p:nvPr/>
+        </p:nvGrpSpPr>
+        <p:grpSpPr>
+          <a:xfrm>
+            <a:off x="1286256" y="2118750"/>
+            <a:ext cx="5868120" cy="1292661"/>
+            <a:chOff x="381849" y="1994631"/>
+            <a:chExt cx="5868120" cy="1292661"/>
+          </a:xfrm>
+        </p:grpSpPr>
+        <p:sp>
+          <p:nvSpPr>
+            <p:cNvPr id="15" name="textruta 14">
+              <a:extLst>
+                <a:ext uri="{FF2B5EF4-FFF2-40B4-BE49-F238E27FC236}">
+                  <a16:creationId xmlns:a16="http://schemas.microsoft.com/office/drawing/2014/main" id="{DBE6A021-1762-0C15-02BA-B1828F058CD0}"/>
+                </a:ext>
+              </a:extLst>
+            </p:cNvPr>
+            <p:cNvSpPr txBox="1"/>
+            <p:nvPr/>
+          </p:nvSpPr>
+          <p:spPr>
+            <a:xfrm>
+              <a:off x="381849" y="1994631"/>
+              <a:ext cx="5868120" cy="338554"/>
+            </a:xfrm>
+            <a:prstGeom prst="rect">
+              <a:avLst/>
+            </a:prstGeom>
+            <a:noFill/>
+          </p:spPr>
+          <p:txBody>
+            <a:bodyPr wrap="square" rtlCol="0">
+              <a:spAutoFit/>
+            </a:bodyPr>
+            <a:lstStyle/>
+            <a:p>
+              <a:r>
+                <a:rPr lang="sv-SE" sz="1600" b="1" dirty="0"/>
+                <a:t>Källor</a:t>
+              </a:r>
+            </a:p>
+          </p:txBody>
+        </p:sp>
+        <p:sp>
+          <p:nvSpPr>
+            <p:cNvPr id="16" name="textruta 15">
+              <a:extLst>
+                <a:ext uri="{FF2B5EF4-FFF2-40B4-BE49-F238E27FC236}">
+                  <a16:creationId xmlns:a16="http://schemas.microsoft.com/office/drawing/2014/main" id="{17E9DEC5-7862-6101-11EE-105DC44569CD}"/>
+                </a:ext>
+              </a:extLst>
+            </p:cNvPr>
+            <p:cNvSpPr txBox="1"/>
+            <p:nvPr/>
+          </p:nvSpPr>
+          <p:spPr>
+            <a:xfrm>
+              <a:off x="381849" y="2333185"/>
+              <a:ext cx="5307671" cy="954107"/>
+            </a:xfrm>
+            <a:prstGeom prst="rect">
+              <a:avLst/>
+            </a:prstGeom>
+            <a:noFill/>
+          </p:spPr>
+          <p:txBody>
+            <a:bodyPr wrap="none" rtlCol="0">
+              <a:spAutoFit/>
+            </a:bodyPr>
+            <a:lstStyle/>
+            <a:p>
+              <a:r>
+                <a:rPr lang="sv-SE" sz="1400" dirty="0"/>
+                <a:t>Text som förklarar varifrån </a:t>
+              </a:r>
+              <a:r>
+                <a:rPr lang="sv-SE" sz="1400" dirty="0" err="1"/>
+                <a:t>datan</a:t>
+              </a:r>
+              <a:r>
+                <a:rPr lang="sv-SE" sz="1400" dirty="0"/>
+                <a:t> tas och vilka år </a:t>
+              </a:r>
+              <a:r>
+                <a:rPr lang="sv-SE" sz="1400" dirty="0" err="1"/>
+                <a:t>datan</a:t>
+              </a:r>
+              <a:r>
+                <a:rPr lang="sv-SE" sz="1400" dirty="0"/>
+                <a:t> är inhämtad.</a:t>
+              </a:r>
+            </a:p>
+            <a:p>
+              <a:r>
+                <a:rPr lang="sv-SE" sz="1400" dirty="0"/>
+                <a:t>-..-</a:t>
+              </a:r>
+            </a:p>
+            <a:p>
+              <a:r>
+                <a:rPr lang="sv-SE" sz="1400" dirty="0"/>
+                <a:t>-..-</a:t>
+              </a:r>
+            </a:p>
+            <a:p>
+              <a:r>
+                <a:rPr lang="sv-SE" sz="1400" dirty="0"/>
+                <a:t>-..-</a:t>
+              </a:r>
+            </a:p>
+          </p:txBody>
+        </p:sp>
+      </p:grpSp>
     </p:spTree>
     <p:extLst>
       <p:ext uri="{BB962C8B-B14F-4D97-AF65-F5344CB8AC3E}">
